--- a/Lucas/Austausch der Ergebnisse.pptx
+++ b/Lucas/Austausch der Ergebnisse.pptx
@@ -146,7 +146,7 @@
   </p:defaultTextStyle>
   <p:extLst>
     <p:ext uri="{EFAFB233-063F-42B5-8137-9DF3F51BA10A}">
-      <p15:sldGuideLst xmlns:p15="http://schemas.microsoft.com/office/powerpoint/2012/main" xmlns="">
+      <p15:sldGuideLst xmlns="" xmlns:p15="http://schemas.microsoft.com/office/powerpoint/2012/main">
         <p15:guide id="1" orient="horz" pos="2160">
           <p15:clr>
             <a:srgbClr val="A4A3A4"/>
@@ -313,7 +313,7 @@
           </a:ln>
           <a:extLst>
             <a:ext uri="{909E8E84-426E-40DD-AFC4-6F175D3DCCD1}">
-              <a14:hiddenFill xmlns:a14="http://schemas.microsoft.com/office/drawing/2010/main" xmlns="">
+              <a14:hiddenFill xmlns="" xmlns:a14="http://schemas.microsoft.com/office/drawing/2010/main">
                 <a:solidFill>
                   <a:srgbClr val="FFFFFF"/>
                 </a:solidFill>
@@ -499,7 +499,7 @@
     </p:spTree>
     <p:extLst>
       <p:ext uri="{BB962C8B-B14F-4D97-AF65-F5344CB8AC3E}">
-        <p14:creationId xmlns:p14="http://schemas.microsoft.com/office/powerpoint/2010/main" xmlns="" val="2440959603"/>
+        <p14:creationId xmlns="" xmlns:p14="http://schemas.microsoft.com/office/powerpoint/2010/main" val="2440959603"/>
       </p:ext>
     </p:extLst>
   </p:cSld>
@@ -670,7 +670,7 @@
           </a:ln>
           <a:extLst>
             <a:ext uri="{91240B29-F687-4F45-9708-019B960494DF}">
-              <a14:hiddenLine xmlns:a14="http://schemas.microsoft.com/office/drawing/2010/main" xmlns="" w="9525">
+              <a14:hiddenLine xmlns="" xmlns:a14="http://schemas.microsoft.com/office/drawing/2010/main" w="9525">
                 <a:solidFill>
                   <a:srgbClr val="000000"/>
                 </a:solidFill>
@@ -717,7 +717,7 @@
           </a:ln>
           <a:extLst>
             <a:ext uri="{91240B29-F687-4F45-9708-019B960494DF}">
-              <a14:hiddenLine xmlns:a14="http://schemas.microsoft.com/office/drawing/2010/main" xmlns="" w="9525">
+              <a14:hiddenLine xmlns="" xmlns:a14="http://schemas.microsoft.com/office/drawing/2010/main" w="9525">
                 <a:solidFill>
                   <a:srgbClr val="000000"/>
                 </a:solidFill>
@@ -752,7 +752,7 @@
           <a:blip r:embed="rId2" cstate="print">
             <a:extLst>
               <a:ext uri="{28A0092B-C50C-407E-A947-70E740481C1C}">
-                <a14:useLocalDpi xmlns:a14="http://schemas.microsoft.com/office/drawing/2010/main" xmlns="" val="0"/>
+                <a14:useLocalDpi xmlns="" xmlns:a14="http://schemas.microsoft.com/office/drawing/2010/main" val="0"/>
               </a:ext>
             </a:extLst>
           </a:blip>
@@ -775,14 +775,14 @@
           </a:ln>
           <a:extLst>
             <a:ext uri="{909E8E84-426E-40DD-AFC4-6F175D3DCCD1}">
-              <a14:hiddenFill xmlns:a14="http://schemas.microsoft.com/office/drawing/2010/main" xmlns="">
+              <a14:hiddenFill xmlns="" xmlns:a14="http://schemas.microsoft.com/office/drawing/2010/main">
                 <a:solidFill>
                   <a:srgbClr val="FFFFFF"/>
                 </a:solidFill>
               </a14:hiddenFill>
             </a:ext>
             <a:ext uri="{91240B29-F687-4F45-9708-019B960494DF}">
-              <a14:hiddenLine xmlns:a14="http://schemas.microsoft.com/office/drawing/2010/main" xmlns="" w="9525">
+              <a14:hiddenLine xmlns="" xmlns:a14="http://schemas.microsoft.com/office/drawing/2010/main" w="9525">
                 <a:solidFill>
                   <a:srgbClr val="000000"/>
                 </a:solidFill>
@@ -806,7 +806,7 @@
           <a:blip r:embed="rId3" cstate="print">
             <a:extLst>
               <a:ext uri="{28A0092B-C50C-407E-A947-70E740481C1C}">
-                <a14:useLocalDpi xmlns:a14="http://schemas.microsoft.com/office/drawing/2010/main" xmlns="" val="0"/>
+                <a14:useLocalDpi xmlns="" xmlns:a14="http://schemas.microsoft.com/office/drawing/2010/main" val="0"/>
               </a:ext>
             </a:extLst>
           </a:blip>
@@ -829,14 +829,14 @@
           </a:ln>
           <a:extLst>
             <a:ext uri="{909E8E84-426E-40DD-AFC4-6F175D3DCCD1}">
-              <a14:hiddenFill xmlns:a14="http://schemas.microsoft.com/office/drawing/2010/main" xmlns="">
+              <a14:hiddenFill xmlns="" xmlns:a14="http://schemas.microsoft.com/office/drawing/2010/main">
                 <a:solidFill>
                   <a:srgbClr val="FFFFFF"/>
                 </a:solidFill>
               </a14:hiddenFill>
             </a:ext>
             <a:ext uri="{91240B29-F687-4F45-9708-019B960494DF}">
-              <a14:hiddenLine xmlns:a14="http://schemas.microsoft.com/office/drawing/2010/main" xmlns="" w="9525">
+              <a14:hiddenLine xmlns="" xmlns:a14="http://schemas.microsoft.com/office/drawing/2010/main" w="9525">
                 <a:solidFill>
                   <a:srgbClr val="000000"/>
                 </a:solidFill>
@@ -872,7 +872,7 @@
           </a:ln>
           <a:extLst>
             <a:ext uri="{91240B29-F687-4F45-9708-019B960494DF}">
-              <a14:hiddenLine xmlns:a14="http://schemas.microsoft.com/office/drawing/2010/main" xmlns="" w="9525">
+              <a14:hiddenLine xmlns="" xmlns:a14="http://schemas.microsoft.com/office/drawing/2010/main" w="9525">
                 <a:solidFill>
                   <a:srgbClr val="000000"/>
                 </a:solidFill>
@@ -981,7 +981,7 @@
     </p:spTree>
     <p:extLst>
       <p:ext uri="{BB962C8B-B14F-4D97-AF65-F5344CB8AC3E}">
-        <p14:creationId xmlns:p14="http://schemas.microsoft.com/office/powerpoint/2010/main" xmlns="" val="3853567658"/>
+        <p14:creationId xmlns="" xmlns:p14="http://schemas.microsoft.com/office/powerpoint/2010/main" val="3853567658"/>
       </p:ext>
     </p:extLst>
   </p:cSld>
@@ -1032,7 +1032,7 @@
           </a:ln>
           <a:extLst>
             <a:ext uri="{91240B29-F687-4F45-9708-019B960494DF}">
-              <a14:hiddenLine xmlns:a14="http://schemas.microsoft.com/office/drawing/2010/main" xmlns="" w="0">
+              <a14:hiddenLine xmlns="" xmlns:a14="http://schemas.microsoft.com/office/drawing/2010/main" w="0">
                 <a:solidFill>
                   <a:srgbClr val="000000"/>
                 </a:solidFill>
@@ -1147,7 +1147,7 @@
     </p:spTree>
     <p:extLst>
       <p:ext uri="{BB962C8B-B14F-4D97-AF65-F5344CB8AC3E}">
-        <p14:creationId xmlns:p14="http://schemas.microsoft.com/office/powerpoint/2010/main" xmlns="" val="142333011"/>
+        <p14:creationId xmlns="" xmlns:p14="http://schemas.microsoft.com/office/powerpoint/2010/main" val="142333011"/>
       </p:ext>
     </p:extLst>
   </p:cSld>
@@ -1299,7 +1299,7 @@
           <a:blip r:embed="rId2" cstate="print">
             <a:extLst>
               <a:ext uri="{28A0092B-C50C-407E-A947-70E740481C1C}">
-                <a14:useLocalDpi xmlns:a14="http://schemas.microsoft.com/office/drawing/2010/main" xmlns="" val="0"/>
+                <a14:useLocalDpi xmlns="" xmlns:a14="http://schemas.microsoft.com/office/drawing/2010/main" val="0"/>
               </a:ext>
             </a:extLst>
           </a:blip>
@@ -1322,14 +1322,14 @@
           </a:ln>
           <a:extLst>
             <a:ext uri="{909E8E84-426E-40DD-AFC4-6F175D3DCCD1}">
-              <a14:hiddenFill xmlns:a14="http://schemas.microsoft.com/office/drawing/2010/main" xmlns="">
+              <a14:hiddenFill xmlns="" xmlns:a14="http://schemas.microsoft.com/office/drawing/2010/main">
                 <a:solidFill>
                   <a:srgbClr val="FFFFFF"/>
                 </a:solidFill>
               </a14:hiddenFill>
             </a:ext>
             <a:ext uri="{91240B29-F687-4F45-9708-019B960494DF}">
-              <a14:hiddenLine xmlns:a14="http://schemas.microsoft.com/office/drawing/2010/main" xmlns="" w="9525">
+              <a14:hiddenLine xmlns="" xmlns:a14="http://schemas.microsoft.com/office/drawing/2010/main" w="9525">
                 <a:solidFill>
                   <a:srgbClr val="000000"/>
                 </a:solidFill>
@@ -1399,7 +1399,7 @@
           <a:blip r:embed="rId3" cstate="print">
             <a:extLst>
               <a:ext uri="{28A0092B-C50C-407E-A947-70E740481C1C}">
-                <a14:useLocalDpi xmlns:a14="http://schemas.microsoft.com/office/drawing/2010/main" xmlns="" val="0"/>
+                <a14:useLocalDpi xmlns="" xmlns:a14="http://schemas.microsoft.com/office/drawing/2010/main" val="0"/>
               </a:ext>
             </a:extLst>
           </a:blip>
@@ -1420,14 +1420,14 @@
           </a:ln>
           <a:extLst>
             <a:ext uri="{909E8E84-426E-40DD-AFC4-6F175D3DCCD1}">
-              <a14:hiddenFill xmlns:a14="http://schemas.microsoft.com/office/drawing/2010/main" xmlns="">
+              <a14:hiddenFill xmlns="" xmlns:a14="http://schemas.microsoft.com/office/drawing/2010/main">
                 <a:solidFill>
                   <a:srgbClr val="FFFFFF"/>
                 </a:solidFill>
               </a14:hiddenFill>
             </a:ext>
             <a:ext uri="{91240B29-F687-4F45-9708-019B960494DF}">
-              <a14:hiddenLine xmlns:a14="http://schemas.microsoft.com/office/drawing/2010/main" xmlns="" w="9525">
+              <a14:hiddenLine xmlns="" xmlns:a14="http://schemas.microsoft.com/office/drawing/2010/main" w="9525">
                 <a:solidFill>
                   <a:srgbClr val="000000"/>
                 </a:solidFill>
@@ -1442,7 +1442,7 @@
     </p:spTree>
     <p:extLst>
       <p:ext uri="{BB962C8B-B14F-4D97-AF65-F5344CB8AC3E}">
-        <p14:creationId xmlns:p14="http://schemas.microsoft.com/office/powerpoint/2010/main" xmlns="" val="3970480712"/>
+        <p14:creationId xmlns="" xmlns:p14="http://schemas.microsoft.com/office/powerpoint/2010/main" val="3970480712"/>
       </p:ext>
     </p:extLst>
   </p:cSld>
@@ -1594,7 +1594,7 @@
           <a:blip r:embed="rId2" cstate="print">
             <a:extLst>
               <a:ext uri="{28A0092B-C50C-407E-A947-70E740481C1C}">
-                <a14:useLocalDpi xmlns:a14="http://schemas.microsoft.com/office/drawing/2010/main" xmlns="" val="0"/>
+                <a14:useLocalDpi xmlns="" xmlns:a14="http://schemas.microsoft.com/office/drawing/2010/main" val="0"/>
               </a:ext>
             </a:extLst>
           </a:blip>
@@ -1617,14 +1617,14 @@
           </a:ln>
           <a:extLst>
             <a:ext uri="{909E8E84-426E-40DD-AFC4-6F175D3DCCD1}">
-              <a14:hiddenFill xmlns:a14="http://schemas.microsoft.com/office/drawing/2010/main" xmlns="">
+              <a14:hiddenFill xmlns="" xmlns:a14="http://schemas.microsoft.com/office/drawing/2010/main">
                 <a:solidFill>
                   <a:srgbClr val="FFFFFF"/>
                 </a:solidFill>
               </a14:hiddenFill>
             </a:ext>
             <a:ext uri="{91240B29-F687-4F45-9708-019B960494DF}">
-              <a14:hiddenLine xmlns:a14="http://schemas.microsoft.com/office/drawing/2010/main" xmlns="" w="9525">
+              <a14:hiddenLine xmlns="" xmlns:a14="http://schemas.microsoft.com/office/drawing/2010/main" w="9525">
                 <a:solidFill>
                   <a:srgbClr val="000000"/>
                 </a:solidFill>
@@ -1714,7 +1714,7 @@
     </p:spTree>
     <p:extLst>
       <p:ext uri="{BB962C8B-B14F-4D97-AF65-F5344CB8AC3E}">
-        <p14:creationId xmlns:p14="http://schemas.microsoft.com/office/powerpoint/2010/main" xmlns="" val="2484743738"/>
+        <p14:creationId xmlns="" xmlns:p14="http://schemas.microsoft.com/office/powerpoint/2010/main" val="2484743738"/>
       </p:ext>
     </p:extLst>
   </p:cSld>
@@ -1866,7 +1866,7 @@
           <a:blip r:embed="rId2" cstate="print">
             <a:extLst>
               <a:ext uri="{28A0092B-C50C-407E-A947-70E740481C1C}">
-                <a14:useLocalDpi xmlns:a14="http://schemas.microsoft.com/office/drawing/2010/main" xmlns="" val="0"/>
+                <a14:useLocalDpi xmlns="" xmlns:a14="http://schemas.microsoft.com/office/drawing/2010/main" val="0"/>
               </a:ext>
             </a:extLst>
           </a:blip>
@@ -1889,14 +1889,14 @@
           </a:ln>
           <a:extLst>
             <a:ext uri="{909E8E84-426E-40DD-AFC4-6F175D3DCCD1}">
-              <a14:hiddenFill xmlns:a14="http://schemas.microsoft.com/office/drawing/2010/main" xmlns="">
+              <a14:hiddenFill xmlns="" xmlns:a14="http://schemas.microsoft.com/office/drawing/2010/main">
                 <a:solidFill>
                   <a:srgbClr val="FFFFFF"/>
                 </a:solidFill>
               </a14:hiddenFill>
             </a:ext>
             <a:ext uri="{91240B29-F687-4F45-9708-019B960494DF}">
-              <a14:hiddenLine xmlns:a14="http://schemas.microsoft.com/office/drawing/2010/main" xmlns="" w="9525">
+              <a14:hiddenLine xmlns="" xmlns:a14="http://schemas.microsoft.com/office/drawing/2010/main" w="9525">
                 <a:solidFill>
                   <a:srgbClr val="000000"/>
                 </a:solidFill>
@@ -1966,7 +1966,7 @@
           <a:blip r:embed="rId3" cstate="print">
             <a:extLst>
               <a:ext uri="{28A0092B-C50C-407E-A947-70E740481C1C}">
-                <a14:useLocalDpi xmlns:a14="http://schemas.microsoft.com/office/drawing/2010/main" xmlns="" val="0"/>
+                <a14:useLocalDpi xmlns="" xmlns:a14="http://schemas.microsoft.com/office/drawing/2010/main" val="0"/>
               </a:ext>
             </a:extLst>
           </a:blip>
@@ -1992,7 +1992,7 @@
     </p:spTree>
     <p:extLst>
       <p:ext uri="{BB962C8B-B14F-4D97-AF65-F5344CB8AC3E}">
-        <p14:creationId xmlns:p14="http://schemas.microsoft.com/office/powerpoint/2010/main" xmlns="" val="3454429137"/>
+        <p14:creationId xmlns="" xmlns:p14="http://schemas.microsoft.com/office/powerpoint/2010/main" val="3454429137"/>
       </p:ext>
     </p:extLst>
   </p:cSld>
@@ -2144,7 +2144,7 @@
           <a:blip r:embed="rId2" cstate="print">
             <a:extLst>
               <a:ext uri="{28A0092B-C50C-407E-A947-70E740481C1C}">
-                <a14:useLocalDpi xmlns:a14="http://schemas.microsoft.com/office/drawing/2010/main" xmlns="" val="0"/>
+                <a14:useLocalDpi xmlns="" xmlns:a14="http://schemas.microsoft.com/office/drawing/2010/main" val="0"/>
               </a:ext>
             </a:extLst>
           </a:blip>
@@ -2167,14 +2167,14 @@
           </a:ln>
           <a:extLst>
             <a:ext uri="{909E8E84-426E-40DD-AFC4-6F175D3DCCD1}">
-              <a14:hiddenFill xmlns:a14="http://schemas.microsoft.com/office/drawing/2010/main" xmlns="">
+              <a14:hiddenFill xmlns="" xmlns:a14="http://schemas.microsoft.com/office/drawing/2010/main">
                 <a:solidFill>
                   <a:srgbClr val="FFFFFF"/>
                 </a:solidFill>
               </a14:hiddenFill>
             </a:ext>
             <a:ext uri="{91240B29-F687-4F45-9708-019B960494DF}">
-              <a14:hiddenLine xmlns:a14="http://schemas.microsoft.com/office/drawing/2010/main" xmlns="" w="9525">
+              <a14:hiddenLine xmlns="" xmlns:a14="http://schemas.microsoft.com/office/drawing/2010/main" w="9525">
                 <a:solidFill>
                   <a:srgbClr val="000000"/>
                 </a:solidFill>
@@ -2264,7 +2264,7 @@
     </p:spTree>
     <p:extLst>
       <p:ext uri="{BB962C8B-B14F-4D97-AF65-F5344CB8AC3E}">
-        <p14:creationId xmlns:p14="http://schemas.microsoft.com/office/powerpoint/2010/main" xmlns="" val="3729433090"/>
+        <p14:creationId xmlns="" xmlns:p14="http://schemas.microsoft.com/office/powerpoint/2010/main" val="3729433090"/>
       </p:ext>
     </p:extLst>
   </p:cSld>
@@ -2378,7 +2378,7 @@
     </p:spTree>
     <p:extLst>
       <p:ext uri="{BB962C8B-B14F-4D97-AF65-F5344CB8AC3E}">
-        <p14:creationId xmlns:p14="http://schemas.microsoft.com/office/powerpoint/2010/main" xmlns="" val="1909642"/>
+        <p14:creationId xmlns="" xmlns:p14="http://schemas.microsoft.com/office/powerpoint/2010/main" val="1909642"/>
       </p:ext>
     </p:extLst>
   </p:cSld>
@@ -2544,7 +2544,7 @@
     </p:spTree>
     <p:extLst>
       <p:ext uri="{BB962C8B-B14F-4D97-AF65-F5344CB8AC3E}">
-        <p14:creationId xmlns:p14="http://schemas.microsoft.com/office/powerpoint/2010/main" xmlns="" val="2302105570"/>
+        <p14:creationId xmlns="" xmlns:p14="http://schemas.microsoft.com/office/powerpoint/2010/main" val="2302105570"/>
       </p:ext>
     </p:extLst>
   </p:cSld>
@@ -2596,7 +2596,7 @@
     </p:spTree>
     <p:extLst>
       <p:ext uri="{BB962C8B-B14F-4D97-AF65-F5344CB8AC3E}">
-        <p14:creationId xmlns:p14="http://schemas.microsoft.com/office/powerpoint/2010/main" xmlns="" val="3996867333"/>
+        <p14:creationId xmlns="" xmlns:p14="http://schemas.microsoft.com/office/powerpoint/2010/main" val="3996867333"/>
       </p:ext>
     </p:extLst>
   </p:cSld>
@@ -2681,7 +2681,7 @@
     </p:spTree>
     <p:extLst>
       <p:ext uri="{BB962C8B-B14F-4D97-AF65-F5344CB8AC3E}">
-        <p14:creationId xmlns:p14="http://schemas.microsoft.com/office/powerpoint/2010/main" xmlns="" val="1050377336"/>
+        <p14:creationId xmlns="" xmlns:p14="http://schemas.microsoft.com/office/powerpoint/2010/main" val="1050377336"/>
       </p:ext>
     </p:extLst>
   </p:cSld>
@@ -2732,7 +2732,7 @@
           </a:ln>
           <a:extLst>
             <a:ext uri="{91240B29-F687-4F45-9708-019B960494DF}">
-              <a14:hiddenLine xmlns:a14="http://schemas.microsoft.com/office/drawing/2010/main" xmlns="" w="0">
+              <a14:hiddenLine xmlns="" xmlns:a14="http://schemas.microsoft.com/office/drawing/2010/main" w="0">
                 <a:solidFill>
                   <a:srgbClr val="000000"/>
                 </a:solidFill>
@@ -2843,7 +2843,7 @@
     </p:spTree>
     <p:extLst>
       <p:ext uri="{BB962C8B-B14F-4D97-AF65-F5344CB8AC3E}">
-        <p14:creationId xmlns:p14="http://schemas.microsoft.com/office/powerpoint/2010/main" xmlns="" val="3792496676"/>
+        <p14:creationId xmlns="" xmlns:p14="http://schemas.microsoft.com/office/powerpoint/2010/main" val="3792496676"/>
       </p:ext>
     </p:extLst>
   </p:cSld>
@@ -2894,7 +2894,7 @@
           </a:ln>
           <a:extLst>
             <a:ext uri="{91240B29-F687-4F45-9708-019B960494DF}">
-              <a14:hiddenLine xmlns:a14="http://schemas.microsoft.com/office/drawing/2010/main" xmlns="" w="0">
+              <a14:hiddenLine xmlns="" xmlns:a14="http://schemas.microsoft.com/office/drawing/2010/main" w="0">
                 <a:solidFill>
                   <a:srgbClr val="000000"/>
                 </a:solidFill>
@@ -3057,7 +3057,7 @@
     </p:spTree>
     <p:extLst>
       <p:ext uri="{BB962C8B-B14F-4D97-AF65-F5344CB8AC3E}">
-        <p14:creationId xmlns:p14="http://schemas.microsoft.com/office/powerpoint/2010/main" xmlns="" val="3903509568"/>
+        <p14:creationId xmlns="" xmlns:p14="http://schemas.microsoft.com/office/powerpoint/2010/main" val="3903509568"/>
       </p:ext>
     </p:extLst>
   </p:cSld>
@@ -3108,7 +3108,7 @@
           </a:ln>
           <a:extLst>
             <a:ext uri="{91240B29-F687-4F45-9708-019B960494DF}">
-              <a14:hiddenLine xmlns:a14="http://schemas.microsoft.com/office/drawing/2010/main" xmlns="" w="0">
+              <a14:hiddenLine xmlns="" xmlns:a14="http://schemas.microsoft.com/office/drawing/2010/main" w="0">
                 <a:solidFill>
                   <a:srgbClr val="000000"/>
                 </a:solidFill>
@@ -3157,7 +3157,7 @@
     </p:spTree>
     <p:extLst>
       <p:ext uri="{BB962C8B-B14F-4D97-AF65-F5344CB8AC3E}">
-        <p14:creationId xmlns:p14="http://schemas.microsoft.com/office/powerpoint/2010/main" xmlns="" val="4109836660"/>
+        <p14:creationId xmlns="" xmlns:p14="http://schemas.microsoft.com/office/powerpoint/2010/main" val="4109836660"/>
       </p:ext>
     </p:extLst>
   </p:cSld>
@@ -3208,7 +3208,7 @@
           </a:ln>
           <a:extLst>
             <a:ext uri="{91240B29-F687-4F45-9708-019B960494DF}">
-              <a14:hiddenLine xmlns:a14="http://schemas.microsoft.com/office/drawing/2010/main" xmlns="" w="0">
+              <a14:hiddenLine xmlns="" xmlns:a14="http://schemas.microsoft.com/office/drawing/2010/main" w="0">
                 <a:solidFill>
                   <a:srgbClr val="000000"/>
                 </a:solidFill>
@@ -3290,7 +3290,7 @@
     </p:spTree>
     <p:extLst>
       <p:ext uri="{BB962C8B-B14F-4D97-AF65-F5344CB8AC3E}">
-        <p14:creationId xmlns:p14="http://schemas.microsoft.com/office/powerpoint/2010/main" xmlns="" val="2056635799"/>
+        <p14:creationId xmlns="" xmlns:p14="http://schemas.microsoft.com/office/powerpoint/2010/main" val="2056635799"/>
       </p:ext>
     </p:extLst>
   </p:cSld>
@@ -3349,14 +3349,14 @@
           </a:ln>
           <a:extLst>
             <a:ext uri="{909E8E84-426E-40DD-AFC4-6F175D3DCCD1}">
-              <a14:hiddenFill xmlns:a14="http://schemas.microsoft.com/office/drawing/2010/main" xmlns="">
+              <a14:hiddenFill xmlns="" xmlns:a14="http://schemas.microsoft.com/office/drawing/2010/main">
                 <a:solidFill>
                   <a:srgbClr val="FFFFFF"/>
                 </a:solidFill>
               </a14:hiddenFill>
             </a:ext>
             <a:ext uri="{91240B29-F687-4F45-9708-019B960494DF}">
-              <a14:hiddenLine xmlns:a14="http://schemas.microsoft.com/office/drawing/2010/main" xmlns="" w="9525">
+              <a14:hiddenLine xmlns="" xmlns:a14="http://schemas.microsoft.com/office/drawing/2010/main" w="9525">
                 <a:solidFill>
                   <a:srgbClr val="000000"/>
                 </a:solidFill>
@@ -3407,14 +3407,14 @@
           </a:ln>
           <a:extLst>
             <a:ext uri="{909E8E84-426E-40DD-AFC4-6F175D3DCCD1}">
-              <a14:hiddenFill xmlns:a14="http://schemas.microsoft.com/office/drawing/2010/main" xmlns="">
+              <a14:hiddenFill xmlns="" xmlns:a14="http://schemas.microsoft.com/office/drawing/2010/main">
                 <a:solidFill>
                   <a:srgbClr val="FFFFFF"/>
                 </a:solidFill>
               </a14:hiddenFill>
             </a:ext>
             <a:ext uri="{91240B29-F687-4F45-9708-019B960494DF}">
-              <a14:hiddenLine xmlns:a14="http://schemas.microsoft.com/office/drawing/2010/main" xmlns="" w="9525">
+              <a14:hiddenLine xmlns="" xmlns:a14="http://schemas.microsoft.com/office/drawing/2010/main" w="9525">
                 <a:solidFill>
                   <a:srgbClr val="000000"/>
                 </a:solidFill>
@@ -3491,14 +3491,14 @@
           </a:ln>
           <a:extLst>
             <a:ext uri="{909E8E84-426E-40DD-AFC4-6F175D3DCCD1}">
-              <a14:hiddenFill xmlns:a14="http://schemas.microsoft.com/office/drawing/2010/main" xmlns="">
+              <a14:hiddenFill xmlns="" xmlns:a14="http://schemas.microsoft.com/office/drawing/2010/main">
                 <a:solidFill>
                   <a:srgbClr val="FFFFFF"/>
                 </a:solidFill>
               </a14:hiddenFill>
             </a:ext>
             <a:ext uri="{91240B29-F687-4F45-9708-019B960494DF}">
-              <a14:hiddenLine xmlns:a14="http://schemas.microsoft.com/office/drawing/2010/main" xmlns="" w="9525">
+              <a14:hiddenLine xmlns="" xmlns:a14="http://schemas.microsoft.com/office/drawing/2010/main" w="9525">
                 <a:solidFill>
                   <a:srgbClr val="000000"/>
                 </a:solidFill>
@@ -3657,7 +3657,7 @@
           </a:ln>
           <a:extLst>
             <a:ext uri="{909E8E84-426E-40DD-AFC4-6F175D3DCCD1}">
-              <a14:hiddenFill xmlns:a14="http://schemas.microsoft.com/office/drawing/2010/main" xmlns="">
+              <a14:hiddenFill xmlns="" xmlns:a14="http://schemas.microsoft.com/office/drawing/2010/main">
                 <a:noFill/>
               </a14:hiddenFill>
             </a:ext>
@@ -3683,7 +3683,7 @@
           <a:blip r:embed="rId16" cstate="print">
             <a:extLst>
               <a:ext uri="{28A0092B-C50C-407E-A947-70E740481C1C}">
-                <a14:useLocalDpi xmlns:a14="http://schemas.microsoft.com/office/drawing/2010/main" xmlns="" val="0"/>
+                <a14:useLocalDpi xmlns="" xmlns:a14="http://schemas.microsoft.com/office/drawing/2010/main" val="0"/>
               </a:ext>
             </a:extLst>
           </a:blip>
@@ -3706,14 +3706,14 @@
           </a:ln>
           <a:extLst>
             <a:ext uri="{909E8E84-426E-40DD-AFC4-6F175D3DCCD1}">
-              <a14:hiddenFill xmlns:a14="http://schemas.microsoft.com/office/drawing/2010/main" xmlns="">
+              <a14:hiddenFill xmlns="" xmlns:a14="http://schemas.microsoft.com/office/drawing/2010/main">
                 <a:solidFill>
                   <a:srgbClr val="FFFFFF"/>
                 </a:solidFill>
               </a14:hiddenFill>
             </a:ext>
             <a:ext uri="{91240B29-F687-4F45-9708-019B960494DF}">
-              <a14:hiddenLine xmlns:a14="http://schemas.microsoft.com/office/drawing/2010/main" xmlns="" w="9525">
+              <a14:hiddenLine xmlns="" xmlns:a14="http://schemas.microsoft.com/office/drawing/2010/main" w="9525">
                 <a:solidFill>
                   <a:srgbClr val="000000"/>
                 </a:solidFill>
@@ -4280,7 +4280,6 @@
               <a:rPr lang="de-DE" dirty="0" smtClean="0"/>
               <a:t>	</a:t>
             </a:r>
-            <a:endParaRPr lang="de-DE" dirty="0" smtClean="0"/>
           </a:p>
           <a:p>
             <a:pPr>
@@ -4437,7 +4436,6 @@
               <a:rPr lang="de-DE" dirty="0" smtClean="0"/>
               <a:t>Randbedingungen für Mission</a:t>
             </a:r>
-            <a:endParaRPr lang="de-DE" dirty="0" smtClean="0"/>
           </a:p>
           <a:p>
             <a:endParaRPr lang="de-DE" dirty="0" smtClean="0"/>
@@ -4469,23 +4467,8 @@
             </a:pPr>
             <a:r>
               <a:rPr lang="de-DE" dirty="0" smtClean="0"/>
-              <a:t>Minimale Restkapazität: 30</a:t>
-            </a:r>
-            <a:r>
-              <a:rPr lang="de-DE" dirty="0" smtClean="0"/>
-              <a:t>%</a:t>
-            </a:r>
-          </a:p>
-          <a:p>
-            <a:pPr>
-              <a:buFont typeface="Arial" pitchFamily="34" charset="0"/>
-              <a:buChar char="•"/>
-            </a:pPr>
-            <a:r>
-              <a:rPr lang="de-DE" dirty="0" smtClean="0"/>
-              <a:t>Konstante Steiggeschwindigkeit von 10m/s</a:t>
-            </a:r>
-            <a:endParaRPr lang="de-DE" dirty="0" smtClean="0"/>
+              <a:t>Minimale Restkapazität: 30%</a:t>
+            </a:r>
           </a:p>
           <a:p>
             <a:pPr>
@@ -4504,8 +4487,27 @@
           <a:p>
             <a:r>
               <a:rPr lang="de-DE" dirty="0" smtClean="0"/>
-              <a:t>Allgemeine Randbedingungen</a:t>
-            </a:r>
+              <a:t>Allgemeine </a:t>
+            </a:r>
+            <a:r>
+              <a:rPr lang="de-DE" dirty="0" smtClean="0"/>
+              <a:t>Randbedingungen</a:t>
+            </a:r>
+          </a:p>
+          <a:p>
+            <a:pPr>
+              <a:buFont typeface="Arial" pitchFamily="34" charset="0"/>
+              <a:buChar char="•"/>
+            </a:pPr>
+            <a:r>
+              <a:rPr lang="de-DE" dirty="0" smtClean="0"/>
+              <a:t>Konstante Steiggeschwindigkeit von </a:t>
+            </a:r>
+            <a:r>
+              <a:rPr lang="de-DE" dirty="0" smtClean="0"/>
+              <a:t>10m/s</a:t>
+            </a:r>
+            <a:endParaRPr lang="de-DE" dirty="0" smtClean="0"/>
           </a:p>
           <a:p>
             <a:pPr>
@@ -4622,7 +4624,6 @@
               <a:rPr lang="de-DE" dirty="0" smtClean="0"/>
               <a:t> aus Russland (max. Höhe 10200 m)</a:t>
             </a:r>
-            <a:endParaRPr lang="de-DE" dirty="0" smtClean="0"/>
           </a:p>
           <a:p>
             <a:endParaRPr lang="de-DE" dirty="0" smtClean="0"/>
@@ -4642,11 +4643,7 @@
             </a:r>
             <a:r>
               <a:rPr lang="de-DE" dirty="0" smtClean="0"/>
-              <a:t> CM2206 / </a:t>
-            </a:r>
-            <a:r>
-              <a:rPr lang="de-DE" dirty="0" smtClean="0"/>
-              <a:t>1400</a:t>
+              <a:t> CM2206 / 1400</a:t>
             </a:r>
           </a:p>
           <a:p>
@@ -4680,11 +4677,7 @@
             </a:pPr>
             <a:r>
               <a:rPr lang="de-DE" dirty="0" smtClean="0"/>
-              <a:t>Batterie: </a:t>
-            </a:r>
-            <a:r>
-              <a:rPr lang="de-DE" dirty="0" smtClean="0"/>
-              <a:t>Assembling Li-</a:t>
+              <a:t>Batterie: Assembling Li-</a:t>
             </a:r>
             <a:r>
               <a:rPr lang="de-DE" dirty="0" err="1" smtClean="0"/>
@@ -4692,11 +4685,7 @@
             </a:r>
             <a:r>
               <a:rPr lang="de-DE" dirty="0" smtClean="0"/>
-              <a:t> </a:t>
-            </a:r>
-            <a:r>
-              <a:rPr lang="de-DE" dirty="0" smtClean="0"/>
-              <a:t>4s3p</a:t>
+              <a:t> 4s3p</a:t>
             </a:r>
           </a:p>
           <a:p>
@@ -4723,7 +4712,6 @@
               <a:rPr lang="de-DE" dirty="0" smtClean="0"/>
               <a:t>: 0,5kg</a:t>
             </a:r>
-            <a:endParaRPr lang="de-DE" dirty="0" smtClean="0"/>
           </a:p>
           <a:p>
             <a:r>
@@ -4734,11 +4722,7 @@
           <a:p>
             <a:r>
               <a:rPr lang="de-DE" dirty="0" smtClean="0"/>
-              <a:t>	</a:t>
-            </a:r>
-            <a:r>
-              <a:rPr lang="de-DE" dirty="0" smtClean="0"/>
-              <a:t>	      Motor jeweils: 0,0365kg</a:t>
+              <a:t>		      Motor jeweils: 0,0365kg</a:t>
             </a:r>
             <a:endParaRPr lang="de-DE" dirty="0"/>
           </a:p>
@@ -4820,7 +4804,7 @@
       </p:sp>
       <p:pic>
         <p:nvPicPr>
-          <p:cNvPr id="1026" name="Picture 2" descr="C:\Users\Cip\Desktop\Bachelorarbeit\Lucas\C_Rest_V.jpg"/>
+          <p:cNvPr id="4" name="Picture 2" descr="C:\Users\Cip\Desktop\Bachelorarbeit\Lucas\Leistungsberechnung\C_Rest_V.jpg"/>
           <p:cNvPicPr>
             <a:picLocks noChangeAspect="1" noChangeArrowheads="1"/>
           </p:cNvPicPr>
@@ -4835,8 +4819,8 @@
         </p:blipFill>
         <p:spPr bwMode="auto">
           <a:xfrm>
-            <a:off x="1691680" y="1628800"/>
-            <a:ext cx="5616624" cy="4212468"/>
+            <a:off x="1691681" y="1628800"/>
+            <a:ext cx="5568618" cy="4176464"/>
           </a:xfrm>
           <a:prstGeom prst="rect">
             <a:avLst/>
@@ -4920,7 +4904,7 @@
       </p:sp>
       <p:pic>
         <p:nvPicPr>
-          <p:cNvPr id="2050" name="Picture 2" descr="C:\Users\Cip\Desktop\Bachelorarbeit\Lucas\omega.jpg"/>
+          <p:cNvPr id="4" name="Picture 2" descr="C:\Users\Cip\Desktop\Bachelorarbeit\Lucas\Leistungsberechnung\omega.jpg"/>
           <p:cNvPicPr>
             <a:picLocks noChangeAspect="1" noChangeArrowheads="1"/>
           </p:cNvPicPr>
@@ -4935,8 +4919,8 @@
         </p:blipFill>
         <p:spPr bwMode="auto">
           <a:xfrm>
-            <a:off x="1619672" y="1628800"/>
-            <a:ext cx="5664630" cy="4248472"/>
+            <a:off x="1691680" y="1628800"/>
+            <a:ext cx="5544616" cy="4158462"/>
           </a:xfrm>
           <a:prstGeom prst="rect">
             <a:avLst/>
@@ -5092,9 +5076,10 @@
           <a:lstStyle/>
           <a:p>
             <a:r>
-              <a:rPr lang="de-DE" dirty="0"/>
-              <a:t>Ergebnisse und Ausblick</a:t>
-            </a:r>
+              <a:rPr lang="de-DE" dirty="0" smtClean="0"/>
+              <a:t>Ergebnisse</a:t>
+            </a:r>
+            <a:endParaRPr lang="de-DE" dirty="0"/>
           </a:p>
         </p:txBody>
       </p:sp>
@@ -5125,7 +5110,45 @@
             <a:pPr marL="285750" lvl="1" indent="-285750"/>
             <a:r>
               <a:rPr lang="de-DE" dirty="0" smtClean="0"/>
-              <a:t>Erreichen von 10km mit </a:t>
+              <a:t>Max. </a:t>
+            </a:r>
+            <a:r>
+              <a:rPr lang="de-DE" smtClean="0"/>
+              <a:t>erreichbare Höhe mit </a:t>
+            </a:r>
+            <a:r>
+              <a:rPr lang="de-DE" dirty="0" smtClean="0"/>
+              <a:t>	 </a:t>
+            </a:r>
+            <a:r>
+              <a:rPr lang="de-DE" dirty="0" smtClean="0">
+                <a:sym typeface="Wingdings" pitchFamily="2" charset="2"/>
+              </a:rPr>
+              <a:t> 	7300 m</a:t>
+            </a:r>
+            <a:endParaRPr lang="de-DE" dirty="0" smtClean="0"/>
+          </a:p>
+          <a:p>
+            <a:pPr marL="285750" lvl="1" indent="-285750"/>
+            <a:endParaRPr lang="de-DE" dirty="0" smtClean="0"/>
+          </a:p>
+          <a:p>
+            <a:pPr marL="285750" lvl="1" indent="-285750"/>
+            <a:endParaRPr lang="de-DE" dirty="0" smtClean="0"/>
+          </a:p>
+          <a:p>
+            <a:pPr marL="285750" lvl="1" indent="-285750"/>
+            <a:endParaRPr lang="de-DE" dirty="0" smtClean="0"/>
+          </a:p>
+          <a:p>
+            <a:pPr marL="285750" lvl="1" indent="-285750"/>
+            <a:r>
+              <a:rPr lang="de-DE" dirty="0" smtClean="0"/>
+              <a:t>Erreichen </a:t>
+            </a:r>
+            <a:r>
+              <a:rPr lang="de-DE" dirty="0" smtClean="0"/>
+              <a:t>von 10km mit </a:t>
             </a:r>
             <a:r>
               <a:rPr lang="de-DE" dirty="0" err="1" smtClean="0"/>
@@ -5155,15 +5178,7 @@
             <a:pPr marL="285750" lvl="1" indent="-285750"/>
             <a:r>
               <a:rPr lang="de-DE" dirty="0" smtClean="0"/>
-              <a:t>Für das Projekt AEROMET </a:t>
-            </a:r>
-            <a:r>
-              <a:rPr lang="de-DE" dirty="0" smtClean="0"/>
-              <a:t>u</a:t>
-            </a:r>
-            <a:r>
-              <a:rPr lang="de-DE" dirty="0" smtClean="0"/>
-              <a:t>ngeeignet aus folgenden Gründen</a:t>
+              <a:t>Für das Projekt AEROMET ungeeignet aus folgenden Gründen</a:t>
             </a:r>
           </a:p>
           <a:p>

--- a/Lucas/Austausch der Ergebnisse.pptx
+++ b/Lucas/Austausch der Ergebnisse.pptx
@@ -5,17 +5,18 @@
     <p:sldMasterId id="2147483648" r:id="rId1"/>
   </p:sldMasterIdLst>
   <p:notesMasterIdLst>
-    <p:notesMasterId r:id="rId10"/>
+    <p:notesMasterId r:id="rId11"/>
   </p:notesMasterIdLst>
   <p:sldIdLst>
     <p:sldId id="256" r:id="rId2"/>
     <p:sldId id="303" r:id="rId3"/>
-    <p:sldId id="299" r:id="rId4"/>
-    <p:sldId id="298" r:id="rId5"/>
-    <p:sldId id="304" r:id="rId6"/>
-    <p:sldId id="305" r:id="rId7"/>
-    <p:sldId id="306" r:id="rId8"/>
-    <p:sldId id="278" r:id="rId9"/>
+    <p:sldId id="307" r:id="rId4"/>
+    <p:sldId id="299" r:id="rId5"/>
+    <p:sldId id="298" r:id="rId6"/>
+    <p:sldId id="304" r:id="rId7"/>
+    <p:sldId id="305" r:id="rId8"/>
+    <p:sldId id="306" r:id="rId9"/>
+    <p:sldId id="278" r:id="rId10"/>
   </p:sldIdLst>
   <p:sldSz cx="9144000" cy="6858000" type="screen4x3"/>
   <p:notesSz cx="6797675" cy="9926638"/>
@@ -146,7 +147,7 @@
   </p:defaultTextStyle>
   <p:extLst>
     <p:ext uri="{EFAFB233-063F-42B5-8137-9DF3F51BA10A}">
-      <p15:sldGuideLst xmlns="" xmlns:p15="http://schemas.microsoft.com/office/powerpoint/2012/main">
+      <p15:sldGuideLst xmlns:p15="http://schemas.microsoft.com/office/powerpoint/2012/main">
         <p15:guide id="1" orient="horz" pos="2160">
           <p15:clr>
             <a:srgbClr val="A4A3A4"/>
@@ -161,6 +162,30 @@
     </p:ext>
   </p:extLst>
 </p:presentation>
+</file>
+
+<file path=ppt/commentAuthors.xml><?xml version="1.0" encoding="utf-8"?>
+<p:cmAuthorLst xmlns:a="http://schemas.openxmlformats.org/drawingml/2006/main" xmlns:r="http://schemas.openxmlformats.org/officeDocument/2006/relationships" xmlns:p="http://schemas.openxmlformats.org/presentationml/2006/main">
+  <p:cmAuthor id="0" name="Yannic" initials="Y" lastIdx="6" clrIdx="0"/>
+</p:cmAuthorLst>
+</file>
+
+<file path=ppt/comments/comment1.xml><?xml version="1.0" encoding="utf-8"?>
+<p:cmLst xmlns:a="http://schemas.openxmlformats.org/drawingml/2006/main" xmlns:r="http://schemas.openxmlformats.org/officeDocument/2006/relationships" xmlns:p="http://schemas.openxmlformats.org/presentationml/2006/main">
+  <p:cm authorId="0" dt="2018-12-12T16:29:39.473" idx="6">
+    <p:pos x="10" y="10"/>
+    <p:text>Falls noch Zeit ist: Flussdiagramm des Programmablaufs (anschaulicher)</p:text>
+  </p:cm>
+</p:cmLst>
+</file>
+
+<file path=ppt/comments/comment2.xml><?xml version="1.0" encoding="utf-8"?>
+<p:cmLst xmlns:a="http://schemas.openxmlformats.org/drawingml/2006/main" xmlns:r="http://schemas.openxmlformats.org/officeDocument/2006/relationships" xmlns:p="http://schemas.openxmlformats.org/presentationml/2006/main">
+  <p:cm authorId="0" dt="2018-12-12T16:29:02.162" idx="3">
+    <p:pos x="10" y="10"/>
+    <p:text>Daten doppelt zeigen? 1x "Validierung" und 1x mit dem starken Seitenwind und Nutzlast?</p:text>
+  </p:cm>
+</p:cmLst>
 </file>
 
 <file path=ppt/notesMasters/notesMaster1.xml><?xml version="1.0" encoding="utf-8"?>
@@ -313,7 +338,7 @@
           </a:ln>
           <a:extLst>
             <a:ext uri="{909E8E84-426E-40DD-AFC4-6F175D3DCCD1}">
-              <a14:hiddenFill xmlns="" xmlns:a14="http://schemas.microsoft.com/office/drawing/2010/main">
+              <a14:hiddenFill xmlns:a14="http://schemas.microsoft.com/office/drawing/2010/main">
                 <a:solidFill>
                   <a:srgbClr val="FFFFFF"/>
                 </a:solidFill>
@@ -499,7 +524,7 @@
     </p:spTree>
     <p:extLst>
       <p:ext uri="{BB962C8B-B14F-4D97-AF65-F5344CB8AC3E}">
-        <p14:creationId xmlns="" xmlns:p14="http://schemas.microsoft.com/office/powerpoint/2010/main" val="2440959603"/>
+        <p14:creationId xmlns:p14="http://schemas.microsoft.com/office/powerpoint/2010/main" val="2440959603"/>
       </p:ext>
     </p:extLst>
   </p:cSld>
@@ -670,7 +695,7 @@
           </a:ln>
           <a:extLst>
             <a:ext uri="{91240B29-F687-4F45-9708-019B960494DF}">
-              <a14:hiddenLine xmlns="" xmlns:a14="http://schemas.microsoft.com/office/drawing/2010/main" w="9525">
+              <a14:hiddenLine xmlns:a14="http://schemas.microsoft.com/office/drawing/2010/main" w="9525">
                 <a:solidFill>
                   <a:srgbClr val="000000"/>
                 </a:solidFill>
@@ -717,7 +742,7 @@
           </a:ln>
           <a:extLst>
             <a:ext uri="{91240B29-F687-4F45-9708-019B960494DF}">
-              <a14:hiddenLine xmlns="" xmlns:a14="http://schemas.microsoft.com/office/drawing/2010/main" w="9525">
+              <a14:hiddenLine xmlns:a14="http://schemas.microsoft.com/office/drawing/2010/main" w="9525">
                 <a:solidFill>
                   <a:srgbClr val="000000"/>
                 </a:solidFill>
@@ -752,7 +777,7 @@
           <a:blip r:embed="rId2" cstate="print">
             <a:extLst>
               <a:ext uri="{28A0092B-C50C-407E-A947-70E740481C1C}">
-                <a14:useLocalDpi xmlns="" xmlns:a14="http://schemas.microsoft.com/office/drawing/2010/main" val="0"/>
+                <a14:useLocalDpi xmlns:a14="http://schemas.microsoft.com/office/drawing/2010/main" val="0"/>
               </a:ext>
             </a:extLst>
           </a:blip>
@@ -775,14 +800,14 @@
           </a:ln>
           <a:extLst>
             <a:ext uri="{909E8E84-426E-40DD-AFC4-6F175D3DCCD1}">
-              <a14:hiddenFill xmlns="" xmlns:a14="http://schemas.microsoft.com/office/drawing/2010/main">
+              <a14:hiddenFill xmlns:a14="http://schemas.microsoft.com/office/drawing/2010/main">
                 <a:solidFill>
                   <a:srgbClr val="FFFFFF"/>
                 </a:solidFill>
               </a14:hiddenFill>
             </a:ext>
             <a:ext uri="{91240B29-F687-4F45-9708-019B960494DF}">
-              <a14:hiddenLine xmlns="" xmlns:a14="http://schemas.microsoft.com/office/drawing/2010/main" w="9525">
+              <a14:hiddenLine xmlns:a14="http://schemas.microsoft.com/office/drawing/2010/main" w="9525">
                 <a:solidFill>
                   <a:srgbClr val="000000"/>
                 </a:solidFill>
@@ -806,7 +831,7 @@
           <a:blip r:embed="rId3" cstate="print">
             <a:extLst>
               <a:ext uri="{28A0092B-C50C-407E-A947-70E740481C1C}">
-                <a14:useLocalDpi xmlns="" xmlns:a14="http://schemas.microsoft.com/office/drawing/2010/main" val="0"/>
+                <a14:useLocalDpi xmlns:a14="http://schemas.microsoft.com/office/drawing/2010/main" val="0"/>
               </a:ext>
             </a:extLst>
           </a:blip>
@@ -829,14 +854,14 @@
           </a:ln>
           <a:extLst>
             <a:ext uri="{909E8E84-426E-40DD-AFC4-6F175D3DCCD1}">
-              <a14:hiddenFill xmlns="" xmlns:a14="http://schemas.microsoft.com/office/drawing/2010/main">
+              <a14:hiddenFill xmlns:a14="http://schemas.microsoft.com/office/drawing/2010/main">
                 <a:solidFill>
                   <a:srgbClr val="FFFFFF"/>
                 </a:solidFill>
               </a14:hiddenFill>
             </a:ext>
             <a:ext uri="{91240B29-F687-4F45-9708-019B960494DF}">
-              <a14:hiddenLine xmlns="" xmlns:a14="http://schemas.microsoft.com/office/drawing/2010/main" w="9525">
+              <a14:hiddenLine xmlns:a14="http://schemas.microsoft.com/office/drawing/2010/main" w="9525">
                 <a:solidFill>
                   <a:srgbClr val="000000"/>
                 </a:solidFill>
@@ -872,7 +897,7 @@
           </a:ln>
           <a:extLst>
             <a:ext uri="{91240B29-F687-4F45-9708-019B960494DF}">
-              <a14:hiddenLine xmlns="" xmlns:a14="http://schemas.microsoft.com/office/drawing/2010/main" w="9525">
+              <a14:hiddenLine xmlns:a14="http://schemas.microsoft.com/office/drawing/2010/main" w="9525">
                 <a:solidFill>
                   <a:srgbClr val="000000"/>
                 </a:solidFill>
@@ -981,7 +1006,7 @@
     </p:spTree>
     <p:extLst>
       <p:ext uri="{BB962C8B-B14F-4D97-AF65-F5344CB8AC3E}">
-        <p14:creationId xmlns="" xmlns:p14="http://schemas.microsoft.com/office/powerpoint/2010/main" val="3853567658"/>
+        <p14:creationId xmlns:p14="http://schemas.microsoft.com/office/powerpoint/2010/main" val="3853567658"/>
       </p:ext>
     </p:extLst>
   </p:cSld>
@@ -1032,7 +1057,7 @@
           </a:ln>
           <a:extLst>
             <a:ext uri="{91240B29-F687-4F45-9708-019B960494DF}">
-              <a14:hiddenLine xmlns="" xmlns:a14="http://schemas.microsoft.com/office/drawing/2010/main" w="0">
+              <a14:hiddenLine xmlns:a14="http://schemas.microsoft.com/office/drawing/2010/main" w="0">
                 <a:solidFill>
                   <a:srgbClr val="000000"/>
                 </a:solidFill>
@@ -1147,7 +1172,7 @@
     </p:spTree>
     <p:extLst>
       <p:ext uri="{BB962C8B-B14F-4D97-AF65-F5344CB8AC3E}">
-        <p14:creationId xmlns="" xmlns:p14="http://schemas.microsoft.com/office/powerpoint/2010/main" val="142333011"/>
+        <p14:creationId xmlns:p14="http://schemas.microsoft.com/office/powerpoint/2010/main" val="142333011"/>
       </p:ext>
     </p:extLst>
   </p:cSld>
@@ -1299,7 +1324,7 @@
           <a:blip r:embed="rId2" cstate="print">
             <a:extLst>
               <a:ext uri="{28A0092B-C50C-407E-A947-70E740481C1C}">
-                <a14:useLocalDpi xmlns="" xmlns:a14="http://schemas.microsoft.com/office/drawing/2010/main" val="0"/>
+                <a14:useLocalDpi xmlns:a14="http://schemas.microsoft.com/office/drawing/2010/main" val="0"/>
               </a:ext>
             </a:extLst>
           </a:blip>
@@ -1322,14 +1347,14 @@
           </a:ln>
           <a:extLst>
             <a:ext uri="{909E8E84-426E-40DD-AFC4-6F175D3DCCD1}">
-              <a14:hiddenFill xmlns="" xmlns:a14="http://schemas.microsoft.com/office/drawing/2010/main">
+              <a14:hiddenFill xmlns:a14="http://schemas.microsoft.com/office/drawing/2010/main">
                 <a:solidFill>
                   <a:srgbClr val="FFFFFF"/>
                 </a:solidFill>
               </a14:hiddenFill>
             </a:ext>
             <a:ext uri="{91240B29-F687-4F45-9708-019B960494DF}">
-              <a14:hiddenLine xmlns="" xmlns:a14="http://schemas.microsoft.com/office/drawing/2010/main" w="9525">
+              <a14:hiddenLine xmlns:a14="http://schemas.microsoft.com/office/drawing/2010/main" w="9525">
                 <a:solidFill>
                   <a:srgbClr val="000000"/>
                 </a:solidFill>
@@ -1399,7 +1424,7 @@
           <a:blip r:embed="rId3" cstate="print">
             <a:extLst>
               <a:ext uri="{28A0092B-C50C-407E-A947-70E740481C1C}">
-                <a14:useLocalDpi xmlns="" xmlns:a14="http://schemas.microsoft.com/office/drawing/2010/main" val="0"/>
+                <a14:useLocalDpi xmlns:a14="http://schemas.microsoft.com/office/drawing/2010/main" val="0"/>
               </a:ext>
             </a:extLst>
           </a:blip>
@@ -1420,14 +1445,14 @@
           </a:ln>
           <a:extLst>
             <a:ext uri="{909E8E84-426E-40DD-AFC4-6F175D3DCCD1}">
-              <a14:hiddenFill xmlns="" xmlns:a14="http://schemas.microsoft.com/office/drawing/2010/main">
+              <a14:hiddenFill xmlns:a14="http://schemas.microsoft.com/office/drawing/2010/main">
                 <a:solidFill>
                   <a:srgbClr val="FFFFFF"/>
                 </a:solidFill>
               </a14:hiddenFill>
             </a:ext>
             <a:ext uri="{91240B29-F687-4F45-9708-019B960494DF}">
-              <a14:hiddenLine xmlns="" xmlns:a14="http://schemas.microsoft.com/office/drawing/2010/main" w="9525">
+              <a14:hiddenLine xmlns:a14="http://schemas.microsoft.com/office/drawing/2010/main" w="9525">
                 <a:solidFill>
                   <a:srgbClr val="000000"/>
                 </a:solidFill>
@@ -1442,7 +1467,7 @@
     </p:spTree>
     <p:extLst>
       <p:ext uri="{BB962C8B-B14F-4D97-AF65-F5344CB8AC3E}">
-        <p14:creationId xmlns="" xmlns:p14="http://schemas.microsoft.com/office/powerpoint/2010/main" val="3970480712"/>
+        <p14:creationId xmlns:p14="http://schemas.microsoft.com/office/powerpoint/2010/main" val="3970480712"/>
       </p:ext>
     </p:extLst>
   </p:cSld>
@@ -1594,7 +1619,7 @@
           <a:blip r:embed="rId2" cstate="print">
             <a:extLst>
               <a:ext uri="{28A0092B-C50C-407E-A947-70E740481C1C}">
-                <a14:useLocalDpi xmlns="" xmlns:a14="http://schemas.microsoft.com/office/drawing/2010/main" val="0"/>
+                <a14:useLocalDpi xmlns:a14="http://schemas.microsoft.com/office/drawing/2010/main" val="0"/>
               </a:ext>
             </a:extLst>
           </a:blip>
@@ -1617,14 +1642,14 @@
           </a:ln>
           <a:extLst>
             <a:ext uri="{909E8E84-426E-40DD-AFC4-6F175D3DCCD1}">
-              <a14:hiddenFill xmlns="" xmlns:a14="http://schemas.microsoft.com/office/drawing/2010/main">
+              <a14:hiddenFill xmlns:a14="http://schemas.microsoft.com/office/drawing/2010/main">
                 <a:solidFill>
                   <a:srgbClr val="FFFFFF"/>
                 </a:solidFill>
               </a14:hiddenFill>
             </a:ext>
             <a:ext uri="{91240B29-F687-4F45-9708-019B960494DF}">
-              <a14:hiddenLine xmlns="" xmlns:a14="http://schemas.microsoft.com/office/drawing/2010/main" w="9525">
+              <a14:hiddenLine xmlns:a14="http://schemas.microsoft.com/office/drawing/2010/main" w="9525">
                 <a:solidFill>
                   <a:srgbClr val="000000"/>
                 </a:solidFill>
@@ -1714,7 +1739,7 @@
     </p:spTree>
     <p:extLst>
       <p:ext uri="{BB962C8B-B14F-4D97-AF65-F5344CB8AC3E}">
-        <p14:creationId xmlns="" xmlns:p14="http://schemas.microsoft.com/office/powerpoint/2010/main" val="2484743738"/>
+        <p14:creationId xmlns:p14="http://schemas.microsoft.com/office/powerpoint/2010/main" val="2484743738"/>
       </p:ext>
     </p:extLst>
   </p:cSld>
@@ -1866,7 +1891,7 @@
           <a:blip r:embed="rId2" cstate="print">
             <a:extLst>
               <a:ext uri="{28A0092B-C50C-407E-A947-70E740481C1C}">
-                <a14:useLocalDpi xmlns="" xmlns:a14="http://schemas.microsoft.com/office/drawing/2010/main" val="0"/>
+                <a14:useLocalDpi xmlns:a14="http://schemas.microsoft.com/office/drawing/2010/main" val="0"/>
               </a:ext>
             </a:extLst>
           </a:blip>
@@ -1889,14 +1914,14 @@
           </a:ln>
           <a:extLst>
             <a:ext uri="{909E8E84-426E-40DD-AFC4-6F175D3DCCD1}">
-              <a14:hiddenFill xmlns="" xmlns:a14="http://schemas.microsoft.com/office/drawing/2010/main">
+              <a14:hiddenFill xmlns:a14="http://schemas.microsoft.com/office/drawing/2010/main">
                 <a:solidFill>
                   <a:srgbClr val="FFFFFF"/>
                 </a:solidFill>
               </a14:hiddenFill>
             </a:ext>
             <a:ext uri="{91240B29-F687-4F45-9708-019B960494DF}">
-              <a14:hiddenLine xmlns="" xmlns:a14="http://schemas.microsoft.com/office/drawing/2010/main" w="9525">
+              <a14:hiddenLine xmlns:a14="http://schemas.microsoft.com/office/drawing/2010/main" w="9525">
                 <a:solidFill>
                   <a:srgbClr val="000000"/>
                 </a:solidFill>
@@ -1966,7 +1991,7 @@
           <a:blip r:embed="rId3" cstate="print">
             <a:extLst>
               <a:ext uri="{28A0092B-C50C-407E-A947-70E740481C1C}">
-                <a14:useLocalDpi xmlns="" xmlns:a14="http://schemas.microsoft.com/office/drawing/2010/main" val="0"/>
+                <a14:useLocalDpi xmlns:a14="http://schemas.microsoft.com/office/drawing/2010/main" val="0"/>
               </a:ext>
             </a:extLst>
           </a:blip>
@@ -1992,7 +2017,7 @@
     </p:spTree>
     <p:extLst>
       <p:ext uri="{BB962C8B-B14F-4D97-AF65-F5344CB8AC3E}">
-        <p14:creationId xmlns="" xmlns:p14="http://schemas.microsoft.com/office/powerpoint/2010/main" val="3454429137"/>
+        <p14:creationId xmlns:p14="http://schemas.microsoft.com/office/powerpoint/2010/main" val="3454429137"/>
       </p:ext>
     </p:extLst>
   </p:cSld>
@@ -2144,7 +2169,7 @@
           <a:blip r:embed="rId2" cstate="print">
             <a:extLst>
               <a:ext uri="{28A0092B-C50C-407E-A947-70E740481C1C}">
-                <a14:useLocalDpi xmlns="" xmlns:a14="http://schemas.microsoft.com/office/drawing/2010/main" val="0"/>
+                <a14:useLocalDpi xmlns:a14="http://schemas.microsoft.com/office/drawing/2010/main" val="0"/>
               </a:ext>
             </a:extLst>
           </a:blip>
@@ -2167,14 +2192,14 @@
           </a:ln>
           <a:extLst>
             <a:ext uri="{909E8E84-426E-40DD-AFC4-6F175D3DCCD1}">
-              <a14:hiddenFill xmlns="" xmlns:a14="http://schemas.microsoft.com/office/drawing/2010/main">
+              <a14:hiddenFill xmlns:a14="http://schemas.microsoft.com/office/drawing/2010/main">
                 <a:solidFill>
                   <a:srgbClr val="FFFFFF"/>
                 </a:solidFill>
               </a14:hiddenFill>
             </a:ext>
             <a:ext uri="{91240B29-F687-4F45-9708-019B960494DF}">
-              <a14:hiddenLine xmlns="" xmlns:a14="http://schemas.microsoft.com/office/drawing/2010/main" w="9525">
+              <a14:hiddenLine xmlns:a14="http://schemas.microsoft.com/office/drawing/2010/main" w="9525">
                 <a:solidFill>
                   <a:srgbClr val="000000"/>
                 </a:solidFill>
@@ -2264,7 +2289,7 @@
     </p:spTree>
     <p:extLst>
       <p:ext uri="{BB962C8B-B14F-4D97-AF65-F5344CB8AC3E}">
-        <p14:creationId xmlns="" xmlns:p14="http://schemas.microsoft.com/office/powerpoint/2010/main" val="3729433090"/>
+        <p14:creationId xmlns:p14="http://schemas.microsoft.com/office/powerpoint/2010/main" val="3729433090"/>
       </p:ext>
     </p:extLst>
   </p:cSld>
@@ -2378,7 +2403,7 @@
     </p:spTree>
     <p:extLst>
       <p:ext uri="{BB962C8B-B14F-4D97-AF65-F5344CB8AC3E}">
-        <p14:creationId xmlns="" xmlns:p14="http://schemas.microsoft.com/office/powerpoint/2010/main" val="1909642"/>
+        <p14:creationId xmlns:p14="http://schemas.microsoft.com/office/powerpoint/2010/main" val="1909642"/>
       </p:ext>
     </p:extLst>
   </p:cSld>
@@ -2544,7 +2569,7 @@
     </p:spTree>
     <p:extLst>
       <p:ext uri="{BB962C8B-B14F-4D97-AF65-F5344CB8AC3E}">
-        <p14:creationId xmlns="" xmlns:p14="http://schemas.microsoft.com/office/powerpoint/2010/main" val="2302105570"/>
+        <p14:creationId xmlns:p14="http://schemas.microsoft.com/office/powerpoint/2010/main" val="2302105570"/>
       </p:ext>
     </p:extLst>
   </p:cSld>
@@ -2596,7 +2621,7 @@
     </p:spTree>
     <p:extLst>
       <p:ext uri="{BB962C8B-B14F-4D97-AF65-F5344CB8AC3E}">
-        <p14:creationId xmlns="" xmlns:p14="http://schemas.microsoft.com/office/powerpoint/2010/main" val="3996867333"/>
+        <p14:creationId xmlns:p14="http://schemas.microsoft.com/office/powerpoint/2010/main" val="3996867333"/>
       </p:ext>
     </p:extLst>
   </p:cSld>
@@ -2681,7 +2706,7 @@
     </p:spTree>
     <p:extLst>
       <p:ext uri="{BB962C8B-B14F-4D97-AF65-F5344CB8AC3E}">
-        <p14:creationId xmlns="" xmlns:p14="http://schemas.microsoft.com/office/powerpoint/2010/main" val="1050377336"/>
+        <p14:creationId xmlns:p14="http://schemas.microsoft.com/office/powerpoint/2010/main" val="1050377336"/>
       </p:ext>
     </p:extLst>
   </p:cSld>
@@ -2732,7 +2757,7 @@
           </a:ln>
           <a:extLst>
             <a:ext uri="{91240B29-F687-4F45-9708-019B960494DF}">
-              <a14:hiddenLine xmlns="" xmlns:a14="http://schemas.microsoft.com/office/drawing/2010/main" w="0">
+              <a14:hiddenLine xmlns:a14="http://schemas.microsoft.com/office/drawing/2010/main" w="0">
                 <a:solidFill>
                   <a:srgbClr val="000000"/>
                 </a:solidFill>
@@ -2843,7 +2868,7 @@
     </p:spTree>
     <p:extLst>
       <p:ext uri="{BB962C8B-B14F-4D97-AF65-F5344CB8AC3E}">
-        <p14:creationId xmlns="" xmlns:p14="http://schemas.microsoft.com/office/powerpoint/2010/main" val="3792496676"/>
+        <p14:creationId xmlns:p14="http://schemas.microsoft.com/office/powerpoint/2010/main" val="3792496676"/>
       </p:ext>
     </p:extLst>
   </p:cSld>
@@ -2894,7 +2919,7 @@
           </a:ln>
           <a:extLst>
             <a:ext uri="{91240B29-F687-4F45-9708-019B960494DF}">
-              <a14:hiddenLine xmlns="" xmlns:a14="http://schemas.microsoft.com/office/drawing/2010/main" w="0">
+              <a14:hiddenLine xmlns:a14="http://schemas.microsoft.com/office/drawing/2010/main" w="0">
                 <a:solidFill>
                   <a:srgbClr val="000000"/>
                 </a:solidFill>
@@ -3057,7 +3082,7 @@
     </p:spTree>
     <p:extLst>
       <p:ext uri="{BB962C8B-B14F-4D97-AF65-F5344CB8AC3E}">
-        <p14:creationId xmlns="" xmlns:p14="http://schemas.microsoft.com/office/powerpoint/2010/main" val="3903509568"/>
+        <p14:creationId xmlns:p14="http://schemas.microsoft.com/office/powerpoint/2010/main" val="3903509568"/>
       </p:ext>
     </p:extLst>
   </p:cSld>
@@ -3108,7 +3133,7 @@
           </a:ln>
           <a:extLst>
             <a:ext uri="{91240B29-F687-4F45-9708-019B960494DF}">
-              <a14:hiddenLine xmlns="" xmlns:a14="http://schemas.microsoft.com/office/drawing/2010/main" w="0">
+              <a14:hiddenLine xmlns:a14="http://schemas.microsoft.com/office/drawing/2010/main" w="0">
                 <a:solidFill>
                   <a:srgbClr val="000000"/>
                 </a:solidFill>
@@ -3157,7 +3182,7 @@
     </p:spTree>
     <p:extLst>
       <p:ext uri="{BB962C8B-B14F-4D97-AF65-F5344CB8AC3E}">
-        <p14:creationId xmlns="" xmlns:p14="http://schemas.microsoft.com/office/powerpoint/2010/main" val="4109836660"/>
+        <p14:creationId xmlns:p14="http://schemas.microsoft.com/office/powerpoint/2010/main" val="4109836660"/>
       </p:ext>
     </p:extLst>
   </p:cSld>
@@ -3208,7 +3233,7 @@
           </a:ln>
           <a:extLst>
             <a:ext uri="{91240B29-F687-4F45-9708-019B960494DF}">
-              <a14:hiddenLine xmlns="" xmlns:a14="http://schemas.microsoft.com/office/drawing/2010/main" w="0">
+              <a14:hiddenLine xmlns:a14="http://schemas.microsoft.com/office/drawing/2010/main" w="0">
                 <a:solidFill>
                   <a:srgbClr val="000000"/>
                 </a:solidFill>
@@ -3290,7 +3315,7 @@
     </p:spTree>
     <p:extLst>
       <p:ext uri="{BB962C8B-B14F-4D97-AF65-F5344CB8AC3E}">
-        <p14:creationId xmlns="" xmlns:p14="http://schemas.microsoft.com/office/powerpoint/2010/main" val="2056635799"/>
+        <p14:creationId xmlns:p14="http://schemas.microsoft.com/office/powerpoint/2010/main" val="2056635799"/>
       </p:ext>
     </p:extLst>
   </p:cSld>
@@ -3349,14 +3374,14 @@
           </a:ln>
           <a:extLst>
             <a:ext uri="{909E8E84-426E-40DD-AFC4-6F175D3DCCD1}">
-              <a14:hiddenFill xmlns="" xmlns:a14="http://schemas.microsoft.com/office/drawing/2010/main">
+              <a14:hiddenFill xmlns:a14="http://schemas.microsoft.com/office/drawing/2010/main">
                 <a:solidFill>
                   <a:srgbClr val="FFFFFF"/>
                 </a:solidFill>
               </a14:hiddenFill>
             </a:ext>
             <a:ext uri="{91240B29-F687-4F45-9708-019B960494DF}">
-              <a14:hiddenLine xmlns="" xmlns:a14="http://schemas.microsoft.com/office/drawing/2010/main" w="9525">
+              <a14:hiddenLine xmlns:a14="http://schemas.microsoft.com/office/drawing/2010/main" w="9525">
                 <a:solidFill>
                   <a:srgbClr val="000000"/>
                 </a:solidFill>
@@ -3407,14 +3432,14 @@
           </a:ln>
           <a:extLst>
             <a:ext uri="{909E8E84-426E-40DD-AFC4-6F175D3DCCD1}">
-              <a14:hiddenFill xmlns="" xmlns:a14="http://schemas.microsoft.com/office/drawing/2010/main">
+              <a14:hiddenFill xmlns:a14="http://schemas.microsoft.com/office/drawing/2010/main">
                 <a:solidFill>
                   <a:srgbClr val="FFFFFF"/>
                 </a:solidFill>
               </a14:hiddenFill>
             </a:ext>
             <a:ext uri="{91240B29-F687-4F45-9708-019B960494DF}">
-              <a14:hiddenLine xmlns="" xmlns:a14="http://schemas.microsoft.com/office/drawing/2010/main" w="9525">
+              <a14:hiddenLine xmlns:a14="http://schemas.microsoft.com/office/drawing/2010/main" w="9525">
                 <a:solidFill>
                   <a:srgbClr val="000000"/>
                 </a:solidFill>
@@ -3491,14 +3516,14 @@
           </a:ln>
           <a:extLst>
             <a:ext uri="{909E8E84-426E-40DD-AFC4-6F175D3DCCD1}">
-              <a14:hiddenFill xmlns="" xmlns:a14="http://schemas.microsoft.com/office/drawing/2010/main">
+              <a14:hiddenFill xmlns:a14="http://schemas.microsoft.com/office/drawing/2010/main">
                 <a:solidFill>
                   <a:srgbClr val="FFFFFF"/>
                 </a:solidFill>
               </a14:hiddenFill>
             </a:ext>
             <a:ext uri="{91240B29-F687-4F45-9708-019B960494DF}">
-              <a14:hiddenLine xmlns="" xmlns:a14="http://schemas.microsoft.com/office/drawing/2010/main" w="9525">
+              <a14:hiddenLine xmlns:a14="http://schemas.microsoft.com/office/drawing/2010/main" w="9525">
                 <a:solidFill>
                   <a:srgbClr val="000000"/>
                 </a:solidFill>
@@ -3657,7 +3682,7 @@
           </a:ln>
           <a:extLst>
             <a:ext uri="{909E8E84-426E-40DD-AFC4-6F175D3DCCD1}">
-              <a14:hiddenFill xmlns="" xmlns:a14="http://schemas.microsoft.com/office/drawing/2010/main">
+              <a14:hiddenFill xmlns:a14="http://schemas.microsoft.com/office/drawing/2010/main">
                 <a:noFill/>
               </a14:hiddenFill>
             </a:ext>
@@ -3683,7 +3708,7 @@
           <a:blip r:embed="rId16" cstate="print">
             <a:extLst>
               <a:ext uri="{28A0092B-C50C-407E-A947-70E740481C1C}">
-                <a14:useLocalDpi xmlns="" xmlns:a14="http://schemas.microsoft.com/office/drawing/2010/main" val="0"/>
+                <a14:useLocalDpi xmlns:a14="http://schemas.microsoft.com/office/drawing/2010/main" val="0"/>
               </a:ext>
             </a:extLst>
           </a:blip>
@@ -3706,14 +3731,14 @@
           </a:ln>
           <a:extLst>
             <a:ext uri="{909E8E84-426E-40DD-AFC4-6F175D3DCCD1}">
-              <a14:hiddenFill xmlns="" xmlns:a14="http://schemas.microsoft.com/office/drawing/2010/main">
+              <a14:hiddenFill xmlns:a14="http://schemas.microsoft.com/office/drawing/2010/main">
                 <a:solidFill>
                   <a:srgbClr val="FFFFFF"/>
                 </a:solidFill>
               </a14:hiddenFill>
             </a:ext>
             <a:ext uri="{91240B29-F687-4F45-9708-019B960494DF}">
-              <a14:hiddenLine xmlns="" xmlns:a14="http://schemas.microsoft.com/office/drawing/2010/main" w="9525">
+              <a14:hiddenLine xmlns:a14="http://schemas.microsoft.com/office/drawing/2010/main" w="9525">
                 <a:solidFill>
                   <a:srgbClr val="000000"/>
                 </a:solidFill>
@@ -4168,13 +4193,8 @@
             <a:pPr marL="0" indent="0"/>
             <a:r>
               <a:rPr lang="de-DE" dirty="0"/>
-              <a:t>Lucas, Schreer, </a:t>
-            </a:r>
-            <a:r>
-              <a:rPr lang="de-DE" dirty="0" smtClean="0"/>
-              <a:t>13.12.2018</a:t>
-            </a:r>
-            <a:endParaRPr lang="de-DE" dirty="0"/>
+              <a:t>Lucas, Schreer, 13.12.2018</a:t>
+            </a:r>
           </a:p>
         </p:txBody>
       </p:sp>
@@ -4205,13 +4225,6 @@
   <p:clrMapOvr>
     <a:masterClrMapping/>
   </p:clrMapOvr>
-  <p:timing>
-    <p:tnLst>
-      <p:par>
-        <p:cTn id="1" dur="indefinite" restart="never" nodeType="tmRoot"/>
-      </p:par>
-    </p:tnLst>
-  </p:timing>
 </p:sld>
 </file>
 
@@ -4248,10 +4261,9 @@
           <a:lstStyle/>
           <a:p>
             <a:r>
-              <a:rPr lang="de-DE" dirty="0" smtClean="0"/>
+              <a:rPr lang="de-DE" dirty="0"/>
               <a:t>Programm zum Abschätzen der max. Flughöhe</a:t>
             </a:r>
-            <a:endParaRPr lang="de-DE" dirty="0"/>
           </a:p>
         </p:txBody>
       </p:sp>
@@ -4271,13 +4283,13 @@
           <a:lstStyle/>
           <a:p>
             <a:r>
-              <a:rPr lang="de-DE" dirty="0" smtClean="0"/>
+              <a:rPr lang="de-DE" dirty="0"/>
               <a:t>Ablauf des Programms:</a:t>
             </a:r>
           </a:p>
           <a:p>
             <a:r>
-              <a:rPr lang="de-DE" dirty="0" smtClean="0"/>
+              <a:rPr lang="de-DE" dirty="0"/>
               <a:t>	</a:t>
             </a:r>
           </a:p>
@@ -4287,64 +4299,9 @@
               <a:buChar char="•"/>
             </a:pPr>
             <a:r>
-              <a:rPr lang="de-DE" dirty="0" smtClean="0"/>
+              <a:rPr lang="de-DE" dirty="0"/>
               <a:t>Festlegung des zu untersuchenden Fluggeräts (Motor-, Propeller-, Batterieparameter und weiterer Missionsparameter sowie Randbedingungen)</a:t>
             </a:r>
-          </a:p>
-          <a:p>
-            <a:pPr>
-              <a:buFont typeface="Arial" pitchFamily="34" charset="0"/>
-              <a:buChar char="•"/>
-            </a:pPr>
-            <a:endParaRPr lang="de-DE" dirty="0" smtClean="0"/>
-          </a:p>
-          <a:p>
-            <a:pPr>
-              <a:buFont typeface="Arial" pitchFamily="34" charset="0"/>
-              <a:buChar char="•"/>
-            </a:pPr>
-            <a:r>
-              <a:rPr lang="de-DE" dirty="0" smtClean="0"/>
-              <a:t>Leistungsberechnung basiert auf Datenbanken zu Propellern (APC), Motoren und Batterien</a:t>
-            </a:r>
-          </a:p>
-          <a:p>
-            <a:pPr>
-              <a:buFont typeface="Arial" pitchFamily="34" charset="0"/>
-              <a:buChar char="•"/>
-            </a:pPr>
-            <a:endParaRPr lang="de-DE" dirty="0" smtClean="0"/>
-          </a:p>
-          <a:p>
-            <a:pPr>
-              <a:buFont typeface="Arial" pitchFamily="34" charset="0"/>
-              <a:buChar char="•"/>
-            </a:pPr>
-            <a:r>
-              <a:rPr lang="de-DE" dirty="0" smtClean="0"/>
-              <a:t>Berechnung diverser Leistungsparameter : Motorstrom und –</a:t>
-            </a:r>
-            <a:r>
-              <a:rPr lang="de-DE" dirty="0" err="1" smtClean="0"/>
-              <a:t>spannung</a:t>
-            </a:r>
-            <a:r>
-              <a:rPr lang="de-DE" dirty="0" smtClean="0"/>
-              <a:t>, Propellerdrehzahl und –</a:t>
-            </a:r>
-            <a:r>
-              <a:rPr lang="de-DE" dirty="0" err="1" smtClean="0"/>
-              <a:t>drehmoment</a:t>
-            </a:r>
-            <a:r>
-              <a:rPr lang="de-DE" dirty="0" smtClean="0"/>
-              <a:t>, Batterieentladung und vor allem Restladung, Wirkungsgrad, Schubhebelstellung, </a:t>
-            </a:r>
-            <a:r>
-              <a:rPr lang="de-DE" dirty="0" err="1" smtClean="0"/>
-              <a:t>etc</a:t>
-            </a:r>
-            <a:endParaRPr lang="de-DE" dirty="0" smtClean="0"/>
           </a:p>
           <a:p>
             <a:pPr>
@@ -4353,6 +4310,61 @@
             </a:pPr>
             <a:endParaRPr lang="de-DE" dirty="0"/>
           </a:p>
+          <a:p>
+            <a:pPr>
+              <a:buFont typeface="Arial" pitchFamily="34" charset="0"/>
+              <a:buChar char="•"/>
+            </a:pPr>
+            <a:r>
+              <a:rPr lang="de-DE" dirty="0"/>
+              <a:t>Leistungsberechnung basiert auf Datenbanken zu Propellern (APC), Motoren und Batterien</a:t>
+            </a:r>
+          </a:p>
+          <a:p>
+            <a:pPr>
+              <a:buFont typeface="Arial" pitchFamily="34" charset="0"/>
+              <a:buChar char="•"/>
+            </a:pPr>
+            <a:endParaRPr lang="de-DE" dirty="0"/>
+          </a:p>
+          <a:p>
+            <a:pPr>
+              <a:buFont typeface="Arial" pitchFamily="34" charset="0"/>
+              <a:buChar char="•"/>
+            </a:pPr>
+            <a:r>
+              <a:rPr lang="de-DE" dirty="0"/>
+              <a:t>Berechnung diverser Leistungsparameter : Motorstrom und –</a:t>
+            </a:r>
+            <a:r>
+              <a:rPr lang="de-DE" dirty="0" err="1"/>
+              <a:t>spannung</a:t>
+            </a:r>
+            <a:r>
+              <a:rPr lang="de-DE" dirty="0"/>
+              <a:t>, Propellerdrehzahl und –</a:t>
+            </a:r>
+            <a:r>
+              <a:rPr lang="de-DE" dirty="0" err="1"/>
+              <a:t>drehmoment</a:t>
+            </a:r>
+            <a:r>
+              <a:rPr lang="de-DE" dirty="0"/>
+              <a:t>, Batterieentladung und vor allem Restladung, Wirkungsgrad, Schubhebelstellung, </a:t>
+            </a:r>
+            <a:r>
+              <a:rPr lang="de-DE" dirty="0" err="1"/>
+              <a:t>etc</a:t>
+            </a:r>
+            <a:endParaRPr lang="de-DE" dirty="0"/>
+          </a:p>
+          <a:p>
+            <a:pPr>
+              <a:buFont typeface="Arial" pitchFamily="34" charset="0"/>
+              <a:buChar char="•"/>
+            </a:pPr>
+            <a:endParaRPr lang="de-DE" dirty="0"/>
+          </a:p>
         </p:txBody>
       </p:sp>
     </p:spTree>
@@ -4360,13 +4372,6 @@
   <p:clrMapOvr>
     <a:masterClrMapping/>
   </p:clrMapOvr>
-  <p:timing>
-    <p:tnLst>
-      <p:par>
-        <p:cTn id="1" dur="indefinite" restart="never" nodeType="tmRoot"/>
-      </p:par>
-    </p:tnLst>
-  </p:timing>
 </p:sld>
 </file>
 
@@ -4389,7 +4394,13 @@
       </p:grpSpPr>
       <p:sp>
         <p:nvSpPr>
-          <p:cNvPr id="2" name="Titel 1"/>
+          <p:cNvPr id="2" name="Titel 1">
+            <a:extLst>
+              <a:ext uri="{FF2B5EF4-FFF2-40B4-BE49-F238E27FC236}">
+                <a16:creationId xmlns:a16="http://schemas.microsoft.com/office/drawing/2014/main" id="{14C51E73-458A-4EDF-BBB8-DFF5A6CE2348}"/>
+              </a:ext>
+            </a:extLst>
+          </p:cNvPr>
           <p:cNvSpPr>
             <a:spLocks noGrp="1"/>
           </p:cNvSpPr>
@@ -4403,147 +4414,57 @@
           <a:lstStyle/>
           <a:p>
             <a:r>
-              <a:rPr lang="de-DE" dirty="0" smtClean="0"/>
-              <a:t>Erste Abschätzung</a:t>
-            </a:r>
-            <a:endParaRPr lang="de-DE" dirty="0"/>
-          </a:p>
-        </p:txBody>
-      </p:sp>
-      <p:sp>
-        <p:nvSpPr>
-          <p:cNvPr id="3" name="Inhaltsplatzhalter 2"/>
-          <p:cNvSpPr>
-            <a:spLocks noGrp="1"/>
-          </p:cNvSpPr>
+              <a:rPr lang="de-DE" dirty="0"/>
+              <a:t>Programmablauf</a:t>
+            </a:r>
+          </a:p>
+        </p:txBody>
+      </p:sp>
+      <p:pic>
+        <p:nvPicPr>
+          <p:cNvPr id="5" name="Inhaltsplatzhalter 4">
+            <a:extLst>
+              <a:ext uri="{FF2B5EF4-FFF2-40B4-BE49-F238E27FC236}">
+                <a16:creationId xmlns:a16="http://schemas.microsoft.com/office/drawing/2014/main" id="{EC3E987D-3CD6-40C7-A605-2CFE65C28EE9}"/>
+              </a:ext>
+            </a:extLst>
+          </p:cNvPr>
+          <p:cNvPicPr>
+            <a:picLocks noGrp="1" noChangeAspect="1"/>
+          </p:cNvPicPr>
           <p:nvPr>
             <p:ph idx="1"/>
           </p:nvPr>
-        </p:nvSpPr>
-        <p:spPr/>
-        <p:txBody>
-          <a:bodyPr/>
-          <a:lstStyle/>
-          <a:p>
-            <a:pPr>
-              <a:buFont typeface="Arial" pitchFamily="34" charset="0"/>
-              <a:buChar char="•"/>
-            </a:pPr>
-            <a:endParaRPr lang="de-DE" dirty="0" smtClean="0"/>
-          </a:p>
-          <a:p>
-            <a:r>
-              <a:rPr lang="de-DE" dirty="0" smtClean="0"/>
-              <a:t>Randbedingungen für Mission</a:t>
-            </a:r>
-          </a:p>
-          <a:p>
-            <a:endParaRPr lang="de-DE" dirty="0" smtClean="0"/>
-          </a:p>
-          <a:p>
-            <a:pPr>
-              <a:buFont typeface="Arial" pitchFamily="34" charset="0"/>
-              <a:buChar char="•"/>
-            </a:pPr>
-            <a:r>
-              <a:rPr lang="de-DE" dirty="0" smtClean="0"/>
-              <a:t>Nutzlast von 250g</a:t>
-            </a:r>
-          </a:p>
-          <a:p>
-            <a:pPr>
-              <a:buFont typeface="Arial" pitchFamily="34" charset="0"/>
-              <a:buChar char="•"/>
-            </a:pPr>
-            <a:r>
-              <a:rPr lang="de-DE" dirty="0" smtClean="0"/>
-              <a:t>Windgeschwindigkeit lateral: 100km/h</a:t>
-            </a:r>
-          </a:p>
-          <a:p>
-            <a:pPr>
-              <a:buFont typeface="Arial" pitchFamily="34" charset="0"/>
-              <a:buChar char="•"/>
-            </a:pPr>
-            <a:r>
-              <a:rPr lang="de-DE" dirty="0" smtClean="0"/>
-              <a:t>Minimale Restkapazität: 30%</a:t>
-            </a:r>
-          </a:p>
-          <a:p>
-            <a:pPr>
-              <a:buFont typeface="Arial" pitchFamily="34" charset="0"/>
-              <a:buChar char="•"/>
-            </a:pPr>
-            <a:endParaRPr lang="de-DE" dirty="0" smtClean="0"/>
-          </a:p>
-          <a:p>
-            <a:pPr>
-              <a:buFont typeface="Arial" pitchFamily="34" charset="0"/>
-              <a:buChar char="•"/>
-            </a:pPr>
-            <a:endParaRPr lang="de-DE" dirty="0" smtClean="0"/>
-          </a:p>
-          <a:p>
-            <a:r>
-              <a:rPr lang="de-DE" dirty="0" smtClean="0"/>
-              <a:t>Allgemeine </a:t>
-            </a:r>
-            <a:r>
-              <a:rPr lang="de-DE" dirty="0" smtClean="0"/>
-              <a:t>Randbedingungen</a:t>
-            </a:r>
-          </a:p>
-          <a:p>
-            <a:pPr>
-              <a:buFont typeface="Arial" pitchFamily="34" charset="0"/>
-              <a:buChar char="•"/>
-            </a:pPr>
-            <a:r>
-              <a:rPr lang="de-DE" dirty="0" smtClean="0"/>
-              <a:t>Konstante Steiggeschwindigkeit von </a:t>
-            </a:r>
-            <a:r>
-              <a:rPr lang="de-DE" dirty="0" smtClean="0"/>
-              <a:t>10m/s</a:t>
-            </a:r>
-            <a:endParaRPr lang="de-DE" dirty="0" smtClean="0"/>
-          </a:p>
-          <a:p>
-            <a:pPr>
-              <a:buFont typeface="Arial" pitchFamily="34" charset="0"/>
-              <a:buChar char="•"/>
-            </a:pPr>
-            <a:r>
-              <a:rPr lang="de-DE" dirty="0" smtClean="0"/>
-              <a:t>Annahme einer Normatmosphäre</a:t>
-            </a:r>
-          </a:p>
-          <a:p>
-            <a:pPr>
-              <a:buFont typeface="Arial" pitchFamily="34" charset="0"/>
-              <a:buChar char="•"/>
-            </a:pPr>
-            <a:r>
-              <a:rPr lang="de-DE" dirty="0" smtClean="0"/>
-              <a:t>Höhenprofil implementierbar</a:t>
-            </a:r>
-            <a:endParaRPr lang="de-DE" dirty="0"/>
-          </a:p>
-        </p:txBody>
-      </p:sp>
+        </p:nvPicPr>
+        <p:blipFill>
+          <a:blip r:embed="rId2">
+            <a:extLst>
+              <a:ext uri="{28A0092B-C50C-407E-A947-70E740481C1C}">
+                <a14:useLocalDpi xmlns:a14="http://schemas.microsoft.com/office/drawing/2010/main" val="0"/>
+              </a:ext>
+            </a:extLst>
+          </a:blip>
+          <a:stretch>
+            <a:fillRect/>
+          </a:stretch>
+        </p:blipFill>
+        <p:spPr>
+          <a:xfrm>
+            <a:off x="1987754" y="1260475"/>
+            <a:ext cx="5263741" cy="4498975"/>
+          </a:xfrm>
+        </p:spPr>
+      </p:pic>
     </p:spTree>
+    <p:extLst>
+      <p:ext uri="{BB962C8B-B14F-4D97-AF65-F5344CB8AC3E}">
+        <p14:creationId xmlns:p14="http://schemas.microsoft.com/office/powerpoint/2010/main" val="3919740042"/>
+      </p:ext>
+    </p:extLst>
   </p:cSld>
   <p:clrMapOvr>
     <a:masterClrMapping/>
   </p:clrMapOvr>
-  <p:timing>
-    <p:tnLst>
-      <p:par>
-        <p:cTn id="1" dur="indefinite" restart="never" nodeType="tmRoot"/>
-      </p:par>
-    </p:tnLst>
-  </p:timing>
 </p:sld>
 </file>
 
@@ -4580,10 +4501,9 @@
           <a:lstStyle/>
           <a:p>
             <a:r>
-              <a:rPr lang="de-DE" dirty="0" smtClean="0"/>
-              <a:t>Verwendetes Fluggerät</a:t>
-            </a:r>
-            <a:endParaRPr lang="de-DE" dirty="0"/>
+              <a:rPr lang="de-DE" dirty="0"/>
+              <a:t>Erste Abschätzung</a:t>
+            </a:r>
           </a:p>
         </p:txBody>
       </p:sp>
@@ -4601,57 +4521,31 @@
         <p:txBody>
           <a:bodyPr/>
           <a:lstStyle/>
-          <a:p>
-            <a:r>
-              <a:rPr lang="de-DE" dirty="0" err="1" smtClean="0"/>
-              <a:t>Quadrocopter</a:t>
-            </a:r>
-            <a:endParaRPr lang="de-DE" dirty="0" smtClean="0"/>
-          </a:p>
-          <a:p>
-            <a:endParaRPr lang="de-DE" dirty="0" smtClean="0"/>
-          </a:p>
-          <a:p>
-            <a:r>
-              <a:rPr lang="de-DE" dirty="0" smtClean="0"/>
-              <a:t>Bezug auf </a:t>
-            </a:r>
-            <a:r>
-              <a:rPr lang="de-DE" dirty="0" err="1" smtClean="0"/>
-              <a:t>Quadrocopter</a:t>
-            </a:r>
-            <a:r>
-              <a:rPr lang="de-DE" dirty="0" smtClean="0"/>
-              <a:t> aus Russland (max. Höhe 10200 m)</a:t>
-            </a:r>
-          </a:p>
-          <a:p>
-            <a:endParaRPr lang="de-DE" dirty="0" smtClean="0"/>
-          </a:p>
           <a:p>
             <a:pPr>
               <a:buFont typeface="Arial" pitchFamily="34" charset="0"/>
               <a:buChar char="•"/>
             </a:pPr>
-            <a:r>
-              <a:rPr lang="de-DE" dirty="0" smtClean="0"/>
-              <a:t>Motor: </a:t>
-            </a:r>
-            <a:r>
-              <a:rPr lang="de-DE" dirty="0" err="1" smtClean="0"/>
-              <a:t>Cobra</a:t>
-            </a:r>
-            <a:r>
-              <a:rPr lang="de-DE" dirty="0" smtClean="0"/>
-              <a:t> CM2206 / 1400</a:t>
-            </a:r>
+            <a:endParaRPr lang="de-DE" dirty="0"/>
+          </a:p>
+          <a:p>
+            <a:r>
+              <a:rPr lang="de-DE" dirty="0"/>
+              <a:t>Randbedingungen für Mission</a:t>
+            </a:r>
+          </a:p>
+          <a:p>
+            <a:endParaRPr lang="de-DE" dirty="0"/>
           </a:p>
           <a:p>
             <a:pPr>
               <a:buFont typeface="Arial" pitchFamily="34" charset="0"/>
               <a:buChar char="•"/>
             </a:pPr>
-            <a:endParaRPr lang="de-DE" dirty="0" smtClean="0"/>
+            <a:r>
+              <a:rPr lang="de-DE" dirty="0"/>
+              <a:t>Nutzlast von 250g</a:t>
+            </a:r>
           </a:p>
           <a:p>
             <a:pPr>
@@ -4659,8 +4553,8 @@
               <a:buChar char="•"/>
             </a:pPr>
             <a:r>
-              <a:rPr lang="de-DE" dirty="0" smtClean="0"/>
-              <a:t>Propeller:  APC 9x4</a:t>
+              <a:rPr lang="de-DE" dirty="0"/>
+              <a:t>Windgeschwindigkeit lateral: 100km/h</a:t>
             </a:r>
           </a:p>
           <a:p>
@@ -4668,32 +4562,30 @@
               <a:buFont typeface="Arial" pitchFamily="34" charset="0"/>
               <a:buChar char="•"/>
             </a:pPr>
-            <a:endParaRPr lang="de-DE" dirty="0" smtClean="0"/>
+            <a:r>
+              <a:rPr lang="de-DE" dirty="0"/>
+              <a:t>Minimale Restkapazität: 30%</a:t>
+            </a:r>
           </a:p>
           <a:p>
             <a:pPr>
               <a:buFont typeface="Arial" pitchFamily="34" charset="0"/>
               <a:buChar char="•"/>
             </a:pPr>
-            <a:r>
-              <a:rPr lang="de-DE" dirty="0" smtClean="0"/>
-              <a:t>Batterie: Assembling Li-</a:t>
-            </a:r>
-            <a:r>
-              <a:rPr lang="de-DE" dirty="0" err="1" smtClean="0"/>
-              <a:t>ion</a:t>
-            </a:r>
-            <a:r>
-              <a:rPr lang="de-DE" dirty="0" smtClean="0"/>
-              <a:t> 4s3p</a:t>
-            </a:r>
+            <a:endParaRPr lang="de-DE" dirty="0"/>
           </a:p>
           <a:p>
             <a:pPr>
               <a:buFont typeface="Arial" pitchFamily="34" charset="0"/>
               <a:buChar char="•"/>
             </a:pPr>
-            <a:endParaRPr lang="de-DE" dirty="0" smtClean="0"/>
+            <a:endParaRPr lang="de-DE" dirty="0"/>
+          </a:p>
+          <a:p>
+            <a:r>
+              <a:rPr lang="de-DE" dirty="0"/>
+              <a:t>Allgemeine Randbedingungen</a:t>
+            </a:r>
           </a:p>
           <a:p>
             <a:pPr>
@@ -4701,30 +4593,29 @@
               <a:buChar char="•"/>
             </a:pPr>
             <a:r>
-              <a:rPr lang="de-DE" dirty="0" smtClean="0"/>
-              <a:t>Gewicht:  </a:t>
-            </a:r>
-            <a:r>
-              <a:rPr lang="de-DE" dirty="0" err="1" smtClean="0"/>
-              <a:t>Copter</a:t>
-            </a:r>
-            <a:r>
-              <a:rPr lang="de-DE" dirty="0" smtClean="0"/>
-              <a:t>: 0,5kg</a:t>
-            </a:r>
-          </a:p>
-          <a:p>
-            <a:r>
-              <a:rPr lang="de-DE" dirty="0" smtClean="0"/>
-              <a:t>                      Batterie: 0,9kg</a:t>
-            </a:r>
-          </a:p>
-          <a:p>
-            <a:r>
-              <a:rPr lang="de-DE" dirty="0" smtClean="0"/>
-              <a:t>		      Motor jeweils: 0,0365kg</a:t>
-            </a:r>
-            <a:endParaRPr lang="de-DE" dirty="0"/>
+              <a:rPr lang="de-DE" dirty="0"/>
+              <a:t>Konstante Steiggeschwindigkeit von 10m/s</a:t>
+            </a:r>
+          </a:p>
+          <a:p>
+            <a:pPr>
+              <a:buFont typeface="Arial" pitchFamily="34" charset="0"/>
+              <a:buChar char="•"/>
+            </a:pPr>
+            <a:r>
+              <a:rPr lang="de-DE" dirty="0"/>
+              <a:t>Annahme einer Normatmosphäre</a:t>
+            </a:r>
+          </a:p>
+          <a:p>
+            <a:pPr>
+              <a:buFont typeface="Arial" pitchFamily="34" charset="0"/>
+              <a:buChar char="•"/>
+            </a:pPr>
+            <a:r>
+              <a:rPr lang="de-DE" dirty="0"/>
+              <a:t>Höhenprofil implementierbar</a:t>
+            </a:r>
           </a:p>
         </p:txBody>
       </p:sp>
@@ -4733,13 +4624,6 @@
   <p:clrMapOvr>
     <a:masterClrMapping/>
   </p:clrMapOvr>
-  <p:timing>
-    <p:tnLst>
-      <p:par>
-        <p:cTn id="1" dur="indefinite" restart="never" nodeType="tmRoot"/>
-      </p:par>
-    </p:tnLst>
-  </p:timing>
 </p:sld>
 </file>
 
@@ -4776,10 +4660,9 @@
           <a:lstStyle/>
           <a:p>
             <a:r>
-              <a:rPr lang="de-DE" dirty="0" smtClean="0"/>
-              <a:t>Restladung</a:t>
-            </a:r>
-            <a:endParaRPr lang="de-DE" dirty="0"/>
+              <a:rPr lang="de-DE" dirty="0"/>
+              <a:t>Verwendetes Fluggerät</a:t>
+            </a:r>
           </a:p>
         </p:txBody>
       </p:sp>
@@ -4798,34 +4681,165 @@
           <a:bodyPr/>
           <a:lstStyle/>
           <a:p>
+            <a:r>
+              <a:rPr lang="de-DE" dirty="0" err="1"/>
+              <a:t>Quadrocopter</a:t>
+            </a:r>
             <a:endParaRPr lang="de-DE" dirty="0"/>
+          </a:p>
+          <a:p>
+            <a:endParaRPr lang="de-DE" dirty="0"/>
+          </a:p>
+          <a:p>
+            <a:r>
+              <a:rPr lang="de-DE" dirty="0"/>
+              <a:t>Bezug auf </a:t>
+            </a:r>
+            <a:r>
+              <a:rPr lang="de-DE" dirty="0" err="1"/>
+              <a:t>Quadrocopter</a:t>
+            </a:r>
+            <a:r>
+              <a:rPr lang="de-DE" dirty="0"/>
+              <a:t> aus Russland (max. Höhe 10200 m)</a:t>
+            </a:r>
+          </a:p>
+          <a:p>
+            <a:endParaRPr lang="de-DE" dirty="0"/>
+          </a:p>
+          <a:p>
+            <a:pPr>
+              <a:buFont typeface="Arial" pitchFamily="34" charset="0"/>
+              <a:buChar char="•"/>
+            </a:pPr>
+            <a:r>
+              <a:rPr lang="de-DE" dirty="0"/>
+              <a:t>Motor: </a:t>
+            </a:r>
+            <a:r>
+              <a:rPr lang="de-DE" dirty="0" err="1"/>
+              <a:t>Cobra</a:t>
+            </a:r>
+            <a:r>
+              <a:rPr lang="de-DE" dirty="0"/>
+              <a:t> CM2206 / 1400</a:t>
+            </a:r>
+          </a:p>
+          <a:p>
+            <a:pPr>
+              <a:buFont typeface="Arial" pitchFamily="34" charset="0"/>
+              <a:buChar char="•"/>
+            </a:pPr>
+            <a:endParaRPr lang="de-DE" dirty="0"/>
+          </a:p>
+          <a:p>
+            <a:pPr>
+              <a:buFont typeface="Arial" pitchFamily="34" charset="0"/>
+              <a:buChar char="•"/>
+            </a:pPr>
+            <a:r>
+              <a:rPr lang="de-DE" dirty="0"/>
+              <a:t>Propeller:  APC 9x4</a:t>
+            </a:r>
+          </a:p>
+          <a:p>
+            <a:pPr>
+              <a:buFont typeface="Arial" pitchFamily="34" charset="0"/>
+              <a:buChar char="•"/>
+            </a:pPr>
+            <a:endParaRPr lang="de-DE" dirty="0"/>
+          </a:p>
+          <a:p>
+            <a:pPr>
+              <a:buFont typeface="Arial" pitchFamily="34" charset="0"/>
+              <a:buChar char="•"/>
+            </a:pPr>
+            <a:r>
+              <a:rPr lang="de-DE" dirty="0"/>
+              <a:t>Batterie: Assembling Li-</a:t>
+            </a:r>
+            <a:r>
+              <a:rPr lang="de-DE" dirty="0" err="1"/>
+              <a:t>ion</a:t>
+            </a:r>
+            <a:r>
+              <a:rPr lang="de-DE" dirty="0"/>
+              <a:t> 4s3p</a:t>
+            </a:r>
+          </a:p>
+          <a:p>
+            <a:pPr>
+              <a:buFont typeface="Arial" pitchFamily="34" charset="0"/>
+              <a:buChar char="•"/>
+            </a:pPr>
+            <a:endParaRPr lang="de-DE" dirty="0"/>
+          </a:p>
+          <a:p>
+            <a:pPr>
+              <a:buFont typeface="Arial" pitchFamily="34" charset="0"/>
+              <a:buChar char="•"/>
+            </a:pPr>
+            <a:r>
+              <a:rPr lang="de-DE" dirty="0"/>
+              <a:t>Gewicht:  </a:t>
+            </a:r>
+            <a:r>
+              <a:rPr lang="de-DE" dirty="0" err="1"/>
+              <a:t>Copter</a:t>
+            </a:r>
+            <a:r>
+              <a:rPr lang="de-DE" dirty="0"/>
+              <a:t>: 0,5kg</a:t>
+            </a:r>
+          </a:p>
+          <a:p>
+            <a:r>
+              <a:rPr lang="de-DE" dirty="0"/>
+              <a:t>                      Batterie: 0,9kg</a:t>
+            </a:r>
+          </a:p>
+          <a:p>
+            <a:r>
+              <a:rPr lang="de-DE" dirty="0"/>
+              <a:t>		      Motor jeweils: 0,0365kg</a:t>
+            </a:r>
           </a:p>
         </p:txBody>
       </p:sp>
       <p:pic>
         <p:nvPicPr>
-          <p:cNvPr id="4" name="Picture 2" descr="C:\Users\Cip\Desktop\Bachelorarbeit\Lucas\Leistungsberechnung\C_Rest_V.jpg"/>
+          <p:cNvPr id="7" name="Grafik 6">
+            <a:extLst>
+              <a:ext uri="{FF2B5EF4-FFF2-40B4-BE49-F238E27FC236}">
+                <a16:creationId xmlns:a16="http://schemas.microsoft.com/office/drawing/2014/main" id="{D4020725-EE22-41C9-A7AA-DBA9E1036CCA}"/>
+              </a:ext>
+            </a:extLst>
+          </p:cNvPr>
           <p:cNvPicPr>
-            <a:picLocks noChangeAspect="1" noChangeArrowheads="1"/>
+            <a:picLocks noChangeAspect="1"/>
           </p:cNvPicPr>
           <p:nvPr/>
         </p:nvPicPr>
         <p:blipFill>
-          <a:blip r:embed="rId2" cstate="print"/>
-          <a:srcRect/>
+          <a:blip r:embed="rId2" cstate="print">
+            <a:extLst>
+              <a:ext uri="{28A0092B-C50C-407E-A947-70E740481C1C}">
+                <a14:useLocalDpi xmlns:a14="http://schemas.microsoft.com/office/drawing/2010/main" val="0"/>
+              </a:ext>
+            </a:extLst>
+          </a:blip>
           <a:stretch>
             <a:fillRect/>
           </a:stretch>
         </p:blipFill>
-        <p:spPr bwMode="auto">
-          <a:xfrm>
-            <a:off x="1691681" y="1628800"/>
-            <a:ext cx="5568618" cy="4176464"/>
+        <p:spPr>
+          <a:xfrm>
+            <a:off x="4042550" y="2420888"/>
+            <a:ext cx="4788024" cy="2542468"/>
           </a:xfrm>
           <a:prstGeom prst="rect">
             <a:avLst/>
           </a:prstGeom>
-          <a:noFill/>
         </p:spPr>
       </p:pic>
     </p:spTree>
@@ -4833,13 +4847,6 @@
   <p:clrMapOvr>
     <a:masterClrMapping/>
   </p:clrMapOvr>
-  <p:timing>
-    <p:tnLst>
-      <p:par>
-        <p:cTn id="1" dur="indefinite" restart="never" nodeType="tmRoot"/>
-      </p:par>
-    </p:tnLst>
-  </p:timing>
 </p:sld>
 </file>
 
@@ -4876,10 +4883,9 @@
           <a:lstStyle/>
           <a:p>
             <a:r>
-              <a:rPr lang="de-DE" dirty="0" smtClean="0"/>
-              <a:t>Drehzahl</a:t>
-            </a:r>
-            <a:endParaRPr lang="de-DE" dirty="0"/>
+              <a:rPr lang="de-DE" dirty="0"/>
+              <a:t>Restladung</a:t>
+            </a:r>
           </a:p>
         </p:txBody>
       </p:sp>
@@ -4898,13 +4904,13 @@
           <a:bodyPr/>
           <a:lstStyle/>
           <a:p>
-            <a:endParaRPr lang="de-DE"/>
+            <a:endParaRPr lang="de-DE" dirty="0"/>
           </a:p>
         </p:txBody>
       </p:sp>
       <p:pic>
         <p:nvPicPr>
-          <p:cNvPr id="4" name="Picture 2" descr="C:\Users\Cip\Desktop\Bachelorarbeit\Lucas\Leistungsberechnung\omega.jpg"/>
+          <p:cNvPr id="4" name="Picture 2" descr="C:\Users\Cip\Desktop\Bachelorarbeit\Lucas\Leistungsberechnung\C_Rest_V.jpg"/>
           <p:cNvPicPr>
             <a:picLocks noChangeAspect="1" noChangeArrowheads="1"/>
           </p:cNvPicPr>
@@ -4919,8 +4925,8 @@
         </p:blipFill>
         <p:spPr bwMode="auto">
           <a:xfrm>
-            <a:off x="1691680" y="1628800"/>
-            <a:ext cx="5544616" cy="4158462"/>
+            <a:off x="1691681" y="1628800"/>
+            <a:ext cx="5568618" cy="4176464"/>
           </a:xfrm>
           <a:prstGeom prst="rect">
             <a:avLst/>
@@ -4933,13 +4939,6 @@
   <p:clrMapOvr>
     <a:masterClrMapping/>
   </p:clrMapOvr>
-  <p:timing>
-    <p:tnLst>
-      <p:par>
-        <p:cTn id="1" dur="indefinite" restart="never" nodeType="tmRoot"/>
-      </p:par>
-    </p:tnLst>
-  </p:timing>
 </p:sld>
 </file>
 
@@ -4976,10 +4975,9 @@
           <a:lstStyle/>
           <a:p>
             <a:r>
-              <a:rPr lang="de-DE" dirty="0" smtClean="0"/>
-              <a:t>Schubhebelstellung</a:t>
-            </a:r>
-            <a:endParaRPr lang="de-DE" dirty="0"/>
+              <a:rPr lang="de-DE" dirty="0"/>
+              <a:t>Drehzahl</a:t>
+            </a:r>
           </a:p>
         </p:txBody>
       </p:sp>
@@ -5004,7 +5002,7 @@
       </p:sp>
       <p:pic>
         <p:nvPicPr>
-          <p:cNvPr id="3074" name="Picture 2" descr="C:\Users\Cip\Desktop\Bachelorarbeit\Lucas\PWM.jpg"/>
+          <p:cNvPr id="4" name="Picture 2" descr="C:\Users\Cip\Desktop\Bachelorarbeit\Lucas\Leistungsberechnung\omega.jpg"/>
           <p:cNvPicPr>
             <a:picLocks noChangeAspect="1" noChangeArrowheads="1"/>
           </p:cNvPicPr>
@@ -5020,7 +5018,7 @@
         <p:spPr bwMode="auto">
           <a:xfrm>
             <a:off x="1691680" y="1628800"/>
-            <a:ext cx="5544617" cy="4158463"/>
+            <a:ext cx="5544616" cy="4158462"/>
           </a:xfrm>
           <a:prstGeom prst="rect">
             <a:avLst/>
@@ -5033,13 +5031,6 @@
   <p:clrMapOvr>
     <a:masterClrMapping/>
   </p:clrMapOvr>
-  <p:timing>
-    <p:tnLst>
-      <p:par>
-        <p:cTn id="1" dur="indefinite" restart="never" nodeType="tmRoot"/>
-      </p:par>
-    </p:tnLst>
-  </p:timing>
 </p:sld>
 </file>
 
@@ -5062,9 +5053,9 @@
       </p:grpSpPr>
       <p:sp>
         <p:nvSpPr>
-          <p:cNvPr id="14338" name="Rectangle 5"/>
-          <p:cNvSpPr>
-            <a:spLocks noGrp="1" noChangeArrowheads="1"/>
+          <p:cNvPr id="2" name="Titel 1"/>
+          <p:cNvSpPr>
+            <a:spLocks noGrp="1"/>
           </p:cNvSpPr>
           <p:nvPr>
             <p:ph type="title"/>
@@ -5076,154 +5067,227 @@
           <a:lstStyle/>
           <a:p>
             <a:r>
-              <a:rPr lang="de-DE" dirty="0" smtClean="0"/>
-              <a:t>Ergebnisse</a:t>
-            </a:r>
-            <a:endParaRPr lang="de-DE" dirty="0"/>
-          </a:p>
-        </p:txBody>
-      </p:sp>
-      <p:sp>
-        <p:nvSpPr>
-          <p:cNvPr id="14339" name="Rectangle 6"/>
-          <p:cNvSpPr>
-            <a:spLocks noGrp="1" noChangeArrowheads="1"/>
+              <a:rPr lang="de-DE" dirty="0"/>
+              <a:t>Schubhebelstellung</a:t>
+            </a:r>
+          </a:p>
+        </p:txBody>
+      </p:sp>
+      <p:sp>
+        <p:nvSpPr>
+          <p:cNvPr id="3" name="Inhaltsplatzhalter 2"/>
+          <p:cNvSpPr>
+            <a:spLocks noGrp="1"/>
           </p:cNvSpPr>
           <p:nvPr>
-            <p:ph type="body" idx="1"/>
+            <p:ph idx="1"/>
           </p:nvPr>
         </p:nvSpPr>
-        <p:spPr>
-          <a:xfrm>
-            <a:off x="431800" y="1079500"/>
-            <a:ext cx="8375650" cy="4772025"/>
-          </a:xfrm>
-        </p:spPr>
+        <p:spPr/>
         <p:txBody>
           <a:bodyPr/>
           <a:lstStyle/>
           <a:p>
-            <a:pPr marL="285750" lvl="1" indent="-285750"/>
-            <a:endParaRPr lang="de-DE" dirty="0" smtClean="0"/>
-          </a:p>
-          <a:p>
-            <a:pPr marL="285750" lvl="1" indent="-285750"/>
-            <a:r>
-              <a:rPr lang="de-DE" dirty="0" smtClean="0"/>
-              <a:t>Max. </a:t>
-            </a:r>
-            <a:r>
-              <a:rPr lang="de-DE" smtClean="0"/>
-              <a:t>erreichbare Höhe mit </a:t>
-            </a:r>
-            <a:r>
-              <a:rPr lang="de-DE" dirty="0" smtClean="0"/>
-              <a:t>	 </a:t>
-            </a:r>
-            <a:r>
-              <a:rPr lang="de-DE" dirty="0" smtClean="0">
-                <a:sym typeface="Wingdings" pitchFamily="2" charset="2"/>
-              </a:rPr>
-              <a:t> 	7300 m</a:t>
-            </a:r>
-            <a:endParaRPr lang="de-DE" dirty="0" smtClean="0"/>
-          </a:p>
-          <a:p>
-            <a:pPr marL="285750" lvl="1" indent="-285750"/>
-            <a:endParaRPr lang="de-DE" dirty="0" smtClean="0"/>
-          </a:p>
-          <a:p>
-            <a:pPr marL="285750" lvl="1" indent="-285750"/>
-            <a:endParaRPr lang="de-DE" dirty="0" smtClean="0"/>
-          </a:p>
-          <a:p>
-            <a:pPr marL="285750" lvl="1" indent="-285750"/>
-            <a:endParaRPr lang="de-DE" dirty="0" smtClean="0"/>
-          </a:p>
-          <a:p>
-            <a:pPr marL="285750" lvl="1" indent="-285750"/>
-            <a:r>
-              <a:rPr lang="de-DE" dirty="0" smtClean="0"/>
-              <a:t>Erreichen </a:t>
-            </a:r>
-            <a:r>
-              <a:rPr lang="de-DE" dirty="0" smtClean="0"/>
-              <a:t>von 10km mit </a:t>
-            </a:r>
-            <a:r>
-              <a:rPr lang="de-DE" dirty="0" err="1" smtClean="0"/>
-              <a:t>Multicopter</a:t>
-            </a:r>
-            <a:r>
-              <a:rPr lang="de-DE" dirty="0" smtClean="0"/>
-              <a:t> erscheint realistisch</a:t>
-            </a:r>
-          </a:p>
-          <a:p>
-            <a:pPr marL="285750" lvl="1" indent="-285750"/>
-            <a:endParaRPr lang="de-DE" dirty="0" smtClean="0"/>
-          </a:p>
-          <a:p>
-            <a:pPr marL="285750" lvl="1" indent="-285750"/>
-            <a:r>
-              <a:rPr lang="de-DE" dirty="0" smtClean="0"/>
-              <a:t>Allerdings nur mit optimalen Randbedingungen und ohne Nutzlast</a:t>
-            </a:r>
-          </a:p>
-          <a:p>
-            <a:pPr marL="285750" lvl="1" indent="-285750"/>
-            <a:endParaRPr lang="de-DE" dirty="0" smtClean="0"/>
-          </a:p>
-          <a:p>
-            <a:pPr marL="285750" lvl="1" indent="-285750"/>
-            <a:r>
-              <a:rPr lang="de-DE" dirty="0" smtClean="0"/>
-              <a:t>Für das Projekt AEROMET ungeeignet aus folgenden Gründen</a:t>
-            </a:r>
-          </a:p>
-          <a:p>
-            <a:pPr marL="285750" lvl="1" indent="-285750"/>
-            <a:endParaRPr lang="de-DE" dirty="0" smtClean="0"/>
-          </a:p>
-          <a:p>
-            <a:pPr marL="285750" lvl="1" indent="-285750"/>
-            <a:r>
-              <a:rPr lang="de-DE" dirty="0" smtClean="0"/>
-              <a:t>Restladung verringert erreichbar Höhe erheblich, ansonsten keine sichere Rückkehr</a:t>
-            </a:r>
-          </a:p>
-          <a:p>
-            <a:pPr marL="457200" lvl="2" indent="-285750"/>
-            <a:endParaRPr lang="de-DE" dirty="0" smtClean="0"/>
-          </a:p>
-          <a:p>
-            <a:pPr marL="457200" lvl="2" indent="-285750">
-              <a:buNone/>
-            </a:pPr>
-            <a:endParaRPr lang="de-DE" dirty="0" smtClean="0"/>
-          </a:p>
-          <a:p>
-            <a:pPr marL="285750" lvl="1" indent="-285750"/>
-            <a:endParaRPr lang="de-DE" dirty="0" smtClean="0"/>
-          </a:p>
-          <a:p>
-            <a:pPr marL="285750" lvl="1" indent="-285750"/>
-            <a:endParaRPr lang="de-DE" dirty="0"/>
-          </a:p>
-        </p:txBody>
-      </p:sp>
+            <a:endParaRPr lang="de-DE"/>
+          </a:p>
+        </p:txBody>
+      </p:sp>
+      <p:pic>
+        <p:nvPicPr>
+          <p:cNvPr id="3074" name="Picture 2" descr="C:\Users\Cip\Desktop\Bachelorarbeit\Lucas\PWM.jpg"/>
+          <p:cNvPicPr>
+            <a:picLocks noChangeAspect="1" noChangeArrowheads="1"/>
+          </p:cNvPicPr>
+          <p:nvPr/>
+        </p:nvPicPr>
+        <p:blipFill>
+          <a:blip r:embed="rId2" cstate="print"/>
+          <a:srcRect/>
+          <a:stretch>
+            <a:fillRect/>
+          </a:stretch>
+        </p:blipFill>
+        <p:spPr bwMode="auto">
+          <a:xfrm>
+            <a:off x="1691680" y="1628800"/>
+            <a:ext cx="5544617" cy="4158463"/>
+          </a:xfrm>
+          <a:prstGeom prst="rect">
+            <a:avLst/>
+          </a:prstGeom>
+          <a:noFill/>
+        </p:spPr>
+      </p:pic>
     </p:spTree>
   </p:cSld>
   <p:clrMapOvr>
     <a:masterClrMapping/>
   </p:clrMapOvr>
-  <p:timing>
-    <p:tnLst>
-      <p:par>
-        <p:cTn id="1" dur="indefinite" restart="never" nodeType="tmRoot"/>
-      </p:par>
-    </p:tnLst>
-  </p:timing>
+</p:sld>
+</file>
+
+<file path=ppt/slides/slide9.xml><?xml version="1.0" encoding="utf-8"?>
+<p:sld xmlns:a="http://schemas.openxmlformats.org/drawingml/2006/main" xmlns:r="http://schemas.openxmlformats.org/officeDocument/2006/relationships" xmlns:p="http://schemas.openxmlformats.org/presentationml/2006/main">
+  <p:cSld>
+    <p:spTree>
+      <p:nvGrpSpPr>
+        <p:cNvPr id="1" name=""/>
+        <p:cNvGrpSpPr/>
+        <p:nvPr/>
+      </p:nvGrpSpPr>
+      <p:grpSpPr>
+        <a:xfrm>
+          <a:off x="0" y="0"/>
+          <a:ext cx="0" cy="0"/>
+          <a:chOff x="0" y="0"/>
+          <a:chExt cx="0" cy="0"/>
+        </a:xfrm>
+      </p:grpSpPr>
+      <p:sp>
+        <p:nvSpPr>
+          <p:cNvPr id="14338" name="Rectangle 5"/>
+          <p:cNvSpPr>
+            <a:spLocks noGrp="1" noChangeArrowheads="1"/>
+          </p:cNvSpPr>
+          <p:nvPr>
+            <p:ph type="title"/>
+          </p:nvPr>
+        </p:nvSpPr>
+        <p:spPr/>
+        <p:txBody>
+          <a:bodyPr/>
+          <a:lstStyle/>
+          <a:p>
+            <a:r>
+              <a:rPr lang="de-DE" dirty="0"/>
+              <a:t>Ergebnisse</a:t>
+            </a:r>
+          </a:p>
+        </p:txBody>
+      </p:sp>
+      <p:sp>
+        <p:nvSpPr>
+          <p:cNvPr id="14339" name="Rectangle 6"/>
+          <p:cNvSpPr>
+            <a:spLocks noGrp="1" noChangeArrowheads="1"/>
+          </p:cNvSpPr>
+          <p:nvPr>
+            <p:ph type="body" idx="1"/>
+          </p:nvPr>
+        </p:nvSpPr>
+        <p:spPr>
+          <a:xfrm>
+            <a:off x="431800" y="1079500"/>
+            <a:ext cx="8375650" cy="4772025"/>
+          </a:xfrm>
+        </p:spPr>
+        <p:txBody>
+          <a:bodyPr/>
+          <a:lstStyle/>
+          <a:p>
+            <a:pPr marL="285750" lvl="1" indent="-285750"/>
+            <a:endParaRPr lang="de-DE" dirty="0"/>
+          </a:p>
+          <a:p>
+            <a:pPr marL="285750" lvl="1" indent="-285750"/>
+            <a:r>
+              <a:rPr lang="de-DE" dirty="0"/>
+              <a:t>Max. erreichbare Höhe mit 	 </a:t>
+            </a:r>
+            <a:r>
+              <a:rPr lang="de-DE" dirty="0">
+                <a:sym typeface="Wingdings" pitchFamily="2" charset="2"/>
+              </a:rPr>
+              <a:t> 	7300 m</a:t>
+            </a:r>
+            <a:endParaRPr lang="de-DE" dirty="0"/>
+          </a:p>
+          <a:p>
+            <a:pPr marL="285750" lvl="1" indent="-285750"/>
+            <a:endParaRPr lang="de-DE" dirty="0"/>
+          </a:p>
+          <a:p>
+            <a:pPr marL="285750" lvl="1" indent="-285750">
+              <a:buNone/>
+            </a:pPr>
+            <a:endParaRPr lang="de-DE" dirty="0"/>
+          </a:p>
+          <a:p>
+            <a:pPr marL="285750" lvl="1" indent="-285750">
+              <a:buNone/>
+            </a:pPr>
+            <a:endParaRPr lang="de-DE" dirty="0"/>
+          </a:p>
+          <a:p>
+            <a:pPr marL="285750" lvl="1" indent="-285750"/>
+            <a:r>
+              <a:rPr lang="de-DE" dirty="0"/>
+              <a:t>Erreichen von 10km mit </a:t>
+            </a:r>
+            <a:r>
+              <a:rPr lang="de-DE" dirty="0" err="1"/>
+              <a:t>Multicopter</a:t>
+            </a:r>
+            <a:r>
+              <a:rPr lang="de-DE" dirty="0"/>
+              <a:t> erscheint realistisch</a:t>
+            </a:r>
+          </a:p>
+          <a:p>
+            <a:pPr marL="285750" lvl="1" indent="-285750"/>
+            <a:endParaRPr lang="de-DE" dirty="0"/>
+          </a:p>
+          <a:p>
+            <a:pPr marL="285750" lvl="1" indent="-285750"/>
+            <a:r>
+              <a:rPr lang="de-DE" dirty="0"/>
+              <a:t>Allerdings nur mit optimalen Randbedingungen und ohne Nutzlast</a:t>
+            </a:r>
+          </a:p>
+          <a:p>
+            <a:pPr marL="285750" lvl="1" indent="-285750"/>
+            <a:endParaRPr lang="de-DE" dirty="0"/>
+          </a:p>
+          <a:p>
+            <a:pPr marL="285750" lvl="1" indent="-285750"/>
+            <a:r>
+              <a:rPr lang="de-DE" dirty="0"/>
+              <a:t>Großen Einfluss haben: Gesamtgewicht, Restladung, Steiggeschwindigkeit, </a:t>
+            </a:r>
+            <a:r>
+              <a:rPr lang="de-DE" dirty="0" err="1"/>
+              <a:t>Aerodynamik,etc</a:t>
+            </a:r>
+            <a:r>
+              <a:rPr lang="de-DE" dirty="0"/>
+              <a:t>. </a:t>
+            </a:r>
+          </a:p>
+          <a:p>
+            <a:pPr marL="457200" lvl="2" indent="-285750"/>
+            <a:endParaRPr lang="de-DE" dirty="0"/>
+          </a:p>
+          <a:p>
+            <a:pPr marL="457200" lvl="2" indent="-285750">
+              <a:buNone/>
+            </a:pPr>
+            <a:endParaRPr lang="de-DE" dirty="0"/>
+          </a:p>
+          <a:p>
+            <a:pPr marL="285750" lvl="1" indent="-285750"/>
+            <a:endParaRPr lang="de-DE" dirty="0"/>
+          </a:p>
+          <a:p>
+            <a:pPr marL="285750" lvl="1" indent="-285750"/>
+            <a:endParaRPr lang="de-DE" dirty="0"/>
+          </a:p>
+        </p:txBody>
+      </p:sp>
+    </p:spTree>
+  </p:cSld>
+  <p:clrMapOvr>
+    <a:masterClrMapping/>
+  </p:clrMapOvr>
 </p:sld>
 </file>
 

--- a/Lucas/Austausch der Ergebnisse.pptx
+++ b/Lucas/Austausch der Ergebnisse.pptx
@@ -5,18 +5,17 @@
     <p:sldMasterId id="2147483648" r:id="rId1"/>
   </p:sldMasterIdLst>
   <p:notesMasterIdLst>
-    <p:notesMasterId r:id="rId11"/>
+    <p:notesMasterId r:id="rId10"/>
   </p:notesMasterIdLst>
   <p:sldIdLst>
     <p:sldId id="256" r:id="rId2"/>
-    <p:sldId id="303" r:id="rId3"/>
-    <p:sldId id="307" r:id="rId4"/>
-    <p:sldId id="299" r:id="rId5"/>
-    <p:sldId id="298" r:id="rId6"/>
-    <p:sldId id="304" r:id="rId7"/>
-    <p:sldId id="305" r:id="rId8"/>
-    <p:sldId id="306" r:id="rId9"/>
-    <p:sldId id="278" r:id="rId10"/>
+    <p:sldId id="307" r:id="rId3"/>
+    <p:sldId id="299" r:id="rId4"/>
+    <p:sldId id="298" r:id="rId5"/>
+    <p:sldId id="304" r:id="rId6"/>
+    <p:sldId id="305" r:id="rId7"/>
+    <p:sldId id="306" r:id="rId8"/>
+    <p:sldId id="278" r:id="rId9"/>
   </p:sldIdLst>
   <p:sldSz cx="9144000" cy="6858000" type="screen4x3"/>
   <p:notesSz cx="6797675" cy="9926638"/>
@@ -147,7 +146,7 @@
   </p:defaultTextStyle>
   <p:extLst>
     <p:ext uri="{EFAFB233-063F-42B5-8137-9DF3F51BA10A}">
-      <p15:sldGuideLst xmlns:p15="http://schemas.microsoft.com/office/powerpoint/2012/main">
+      <p15:sldGuideLst xmlns:p15="http://schemas.microsoft.com/office/powerpoint/2012/main" xmlns="">
         <p15:guide id="1" orient="horz" pos="2160">
           <p15:clr>
             <a:srgbClr val="A4A3A4"/>
@@ -171,15 +170,6 @@
 </file>
 
 <file path=ppt/comments/comment1.xml><?xml version="1.0" encoding="utf-8"?>
-<p:cmLst xmlns:a="http://schemas.openxmlformats.org/drawingml/2006/main" xmlns:r="http://schemas.openxmlformats.org/officeDocument/2006/relationships" xmlns:p="http://schemas.openxmlformats.org/presentationml/2006/main">
-  <p:cm authorId="0" dt="2018-12-12T16:29:39.473" idx="6">
-    <p:pos x="10" y="10"/>
-    <p:text>Falls noch Zeit ist: Flussdiagramm des Programmablaufs (anschaulicher)</p:text>
-  </p:cm>
-</p:cmLst>
-</file>
-
-<file path=ppt/comments/comment2.xml><?xml version="1.0" encoding="utf-8"?>
 <p:cmLst xmlns:a="http://schemas.openxmlformats.org/drawingml/2006/main" xmlns:r="http://schemas.openxmlformats.org/officeDocument/2006/relationships" xmlns:p="http://schemas.openxmlformats.org/presentationml/2006/main">
   <p:cm authorId="0" dt="2018-12-12T16:29:02.162" idx="3">
     <p:pos x="10" y="10"/>
@@ -338,7 +328,7 @@
           </a:ln>
           <a:extLst>
             <a:ext uri="{909E8E84-426E-40DD-AFC4-6F175D3DCCD1}">
-              <a14:hiddenFill xmlns:a14="http://schemas.microsoft.com/office/drawing/2010/main">
+              <a14:hiddenFill xmlns:a14="http://schemas.microsoft.com/office/drawing/2010/main" xmlns="">
                 <a:solidFill>
                   <a:srgbClr val="FFFFFF"/>
                 </a:solidFill>
@@ -524,7 +514,7 @@
     </p:spTree>
     <p:extLst>
       <p:ext uri="{BB962C8B-B14F-4D97-AF65-F5344CB8AC3E}">
-        <p14:creationId xmlns:p14="http://schemas.microsoft.com/office/powerpoint/2010/main" val="2440959603"/>
+        <p14:creationId xmlns:p14="http://schemas.microsoft.com/office/powerpoint/2010/main" xmlns="" val="2440959603"/>
       </p:ext>
     </p:extLst>
   </p:cSld>
@@ -695,7 +685,7 @@
           </a:ln>
           <a:extLst>
             <a:ext uri="{91240B29-F687-4F45-9708-019B960494DF}">
-              <a14:hiddenLine xmlns:a14="http://schemas.microsoft.com/office/drawing/2010/main" w="9525">
+              <a14:hiddenLine xmlns:a14="http://schemas.microsoft.com/office/drawing/2010/main" xmlns="" w="9525">
                 <a:solidFill>
                   <a:srgbClr val="000000"/>
                 </a:solidFill>
@@ -742,7 +732,7 @@
           </a:ln>
           <a:extLst>
             <a:ext uri="{91240B29-F687-4F45-9708-019B960494DF}">
-              <a14:hiddenLine xmlns:a14="http://schemas.microsoft.com/office/drawing/2010/main" w="9525">
+              <a14:hiddenLine xmlns:a14="http://schemas.microsoft.com/office/drawing/2010/main" xmlns="" w="9525">
                 <a:solidFill>
                   <a:srgbClr val="000000"/>
                 </a:solidFill>
@@ -777,7 +767,7 @@
           <a:blip r:embed="rId2" cstate="print">
             <a:extLst>
               <a:ext uri="{28A0092B-C50C-407E-A947-70E740481C1C}">
-                <a14:useLocalDpi xmlns:a14="http://schemas.microsoft.com/office/drawing/2010/main" val="0"/>
+                <a14:useLocalDpi xmlns:a14="http://schemas.microsoft.com/office/drawing/2010/main" xmlns="" val="0"/>
               </a:ext>
             </a:extLst>
           </a:blip>
@@ -800,14 +790,14 @@
           </a:ln>
           <a:extLst>
             <a:ext uri="{909E8E84-426E-40DD-AFC4-6F175D3DCCD1}">
-              <a14:hiddenFill xmlns:a14="http://schemas.microsoft.com/office/drawing/2010/main">
+              <a14:hiddenFill xmlns:a14="http://schemas.microsoft.com/office/drawing/2010/main" xmlns="">
                 <a:solidFill>
                   <a:srgbClr val="FFFFFF"/>
                 </a:solidFill>
               </a14:hiddenFill>
             </a:ext>
             <a:ext uri="{91240B29-F687-4F45-9708-019B960494DF}">
-              <a14:hiddenLine xmlns:a14="http://schemas.microsoft.com/office/drawing/2010/main" w="9525">
+              <a14:hiddenLine xmlns:a14="http://schemas.microsoft.com/office/drawing/2010/main" xmlns="" w="9525">
                 <a:solidFill>
                   <a:srgbClr val="000000"/>
                 </a:solidFill>
@@ -831,7 +821,7 @@
           <a:blip r:embed="rId3" cstate="print">
             <a:extLst>
               <a:ext uri="{28A0092B-C50C-407E-A947-70E740481C1C}">
-                <a14:useLocalDpi xmlns:a14="http://schemas.microsoft.com/office/drawing/2010/main" val="0"/>
+                <a14:useLocalDpi xmlns:a14="http://schemas.microsoft.com/office/drawing/2010/main" xmlns="" val="0"/>
               </a:ext>
             </a:extLst>
           </a:blip>
@@ -854,14 +844,14 @@
           </a:ln>
           <a:extLst>
             <a:ext uri="{909E8E84-426E-40DD-AFC4-6F175D3DCCD1}">
-              <a14:hiddenFill xmlns:a14="http://schemas.microsoft.com/office/drawing/2010/main">
+              <a14:hiddenFill xmlns:a14="http://schemas.microsoft.com/office/drawing/2010/main" xmlns="">
                 <a:solidFill>
                   <a:srgbClr val="FFFFFF"/>
                 </a:solidFill>
               </a14:hiddenFill>
             </a:ext>
             <a:ext uri="{91240B29-F687-4F45-9708-019B960494DF}">
-              <a14:hiddenLine xmlns:a14="http://schemas.microsoft.com/office/drawing/2010/main" w="9525">
+              <a14:hiddenLine xmlns:a14="http://schemas.microsoft.com/office/drawing/2010/main" xmlns="" w="9525">
                 <a:solidFill>
                   <a:srgbClr val="000000"/>
                 </a:solidFill>
@@ -897,7 +887,7 @@
           </a:ln>
           <a:extLst>
             <a:ext uri="{91240B29-F687-4F45-9708-019B960494DF}">
-              <a14:hiddenLine xmlns:a14="http://schemas.microsoft.com/office/drawing/2010/main" w="9525">
+              <a14:hiddenLine xmlns:a14="http://schemas.microsoft.com/office/drawing/2010/main" xmlns="" w="9525">
                 <a:solidFill>
                   <a:srgbClr val="000000"/>
                 </a:solidFill>
@@ -1006,7 +996,7 @@
     </p:spTree>
     <p:extLst>
       <p:ext uri="{BB962C8B-B14F-4D97-AF65-F5344CB8AC3E}">
-        <p14:creationId xmlns:p14="http://schemas.microsoft.com/office/powerpoint/2010/main" val="3853567658"/>
+        <p14:creationId xmlns:p14="http://schemas.microsoft.com/office/powerpoint/2010/main" xmlns="" val="3853567658"/>
       </p:ext>
     </p:extLst>
   </p:cSld>
@@ -1057,7 +1047,7 @@
           </a:ln>
           <a:extLst>
             <a:ext uri="{91240B29-F687-4F45-9708-019B960494DF}">
-              <a14:hiddenLine xmlns:a14="http://schemas.microsoft.com/office/drawing/2010/main" w="0">
+              <a14:hiddenLine xmlns:a14="http://schemas.microsoft.com/office/drawing/2010/main" xmlns="" w="0">
                 <a:solidFill>
                   <a:srgbClr val="000000"/>
                 </a:solidFill>
@@ -1172,7 +1162,7 @@
     </p:spTree>
     <p:extLst>
       <p:ext uri="{BB962C8B-B14F-4D97-AF65-F5344CB8AC3E}">
-        <p14:creationId xmlns:p14="http://schemas.microsoft.com/office/powerpoint/2010/main" val="142333011"/>
+        <p14:creationId xmlns:p14="http://schemas.microsoft.com/office/powerpoint/2010/main" xmlns="" val="142333011"/>
       </p:ext>
     </p:extLst>
   </p:cSld>
@@ -1324,7 +1314,7 @@
           <a:blip r:embed="rId2" cstate="print">
             <a:extLst>
               <a:ext uri="{28A0092B-C50C-407E-A947-70E740481C1C}">
-                <a14:useLocalDpi xmlns:a14="http://schemas.microsoft.com/office/drawing/2010/main" val="0"/>
+                <a14:useLocalDpi xmlns:a14="http://schemas.microsoft.com/office/drawing/2010/main" xmlns="" val="0"/>
               </a:ext>
             </a:extLst>
           </a:blip>
@@ -1347,14 +1337,14 @@
           </a:ln>
           <a:extLst>
             <a:ext uri="{909E8E84-426E-40DD-AFC4-6F175D3DCCD1}">
-              <a14:hiddenFill xmlns:a14="http://schemas.microsoft.com/office/drawing/2010/main">
+              <a14:hiddenFill xmlns:a14="http://schemas.microsoft.com/office/drawing/2010/main" xmlns="">
                 <a:solidFill>
                   <a:srgbClr val="FFFFFF"/>
                 </a:solidFill>
               </a14:hiddenFill>
             </a:ext>
             <a:ext uri="{91240B29-F687-4F45-9708-019B960494DF}">
-              <a14:hiddenLine xmlns:a14="http://schemas.microsoft.com/office/drawing/2010/main" w="9525">
+              <a14:hiddenLine xmlns:a14="http://schemas.microsoft.com/office/drawing/2010/main" xmlns="" w="9525">
                 <a:solidFill>
                   <a:srgbClr val="000000"/>
                 </a:solidFill>
@@ -1424,7 +1414,7 @@
           <a:blip r:embed="rId3" cstate="print">
             <a:extLst>
               <a:ext uri="{28A0092B-C50C-407E-A947-70E740481C1C}">
-                <a14:useLocalDpi xmlns:a14="http://schemas.microsoft.com/office/drawing/2010/main" val="0"/>
+                <a14:useLocalDpi xmlns:a14="http://schemas.microsoft.com/office/drawing/2010/main" xmlns="" val="0"/>
               </a:ext>
             </a:extLst>
           </a:blip>
@@ -1445,14 +1435,14 @@
           </a:ln>
           <a:extLst>
             <a:ext uri="{909E8E84-426E-40DD-AFC4-6F175D3DCCD1}">
-              <a14:hiddenFill xmlns:a14="http://schemas.microsoft.com/office/drawing/2010/main">
+              <a14:hiddenFill xmlns:a14="http://schemas.microsoft.com/office/drawing/2010/main" xmlns="">
                 <a:solidFill>
                   <a:srgbClr val="FFFFFF"/>
                 </a:solidFill>
               </a14:hiddenFill>
             </a:ext>
             <a:ext uri="{91240B29-F687-4F45-9708-019B960494DF}">
-              <a14:hiddenLine xmlns:a14="http://schemas.microsoft.com/office/drawing/2010/main" w="9525">
+              <a14:hiddenLine xmlns:a14="http://schemas.microsoft.com/office/drawing/2010/main" xmlns="" w="9525">
                 <a:solidFill>
                   <a:srgbClr val="000000"/>
                 </a:solidFill>
@@ -1467,7 +1457,7 @@
     </p:spTree>
     <p:extLst>
       <p:ext uri="{BB962C8B-B14F-4D97-AF65-F5344CB8AC3E}">
-        <p14:creationId xmlns:p14="http://schemas.microsoft.com/office/powerpoint/2010/main" val="3970480712"/>
+        <p14:creationId xmlns:p14="http://schemas.microsoft.com/office/powerpoint/2010/main" xmlns="" val="3970480712"/>
       </p:ext>
     </p:extLst>
   </p:cSld>
@@ -1619,7 +1609,7 @@
           <a:blip r:embed="rId2" cstate="print">
             <a:extLst>
               <a:ext uri="{28A0092B-C50C-407E-A947-70E740481C1C}">
-                <a14:useLocalDpi xmlns:a14="http://schemas.microsoft.com/office/drawing/2010/main" val="0"/>
+                <a14:useLocalDpi xmlns:a14="http://schemas.microsoft.com/office/drawing/2010/main" xmlns="" val="0"/>
               </a:ext>
             </a:extLst>
           </a:blip>
@@ -1642,14 +1632,14 @@
           </a:ln>
           <a:extLst>
             <a:ext uri="{909E8E84-426E-40DD-AFC4-6F175D3DCCD1}">
-              <a14:hiddenFill xmlns:a14="http://schemas.microsoft.com/office/drawing/2010/main">
+              <a14:hiddenFill xmlns:a14="http://schemas.microsoft.com/office/drawing/2010/main" xmlns="">
                 <a:solidFill>
                   <a:srgbClr val="FFFFFF"/>
                 </a:solidFill>
               </a14:hiddenFill>
             </a:ext>
             <a:ext uri="{91240B29-F687-4F45-9708-019B960494DF}">
-              <a14:hiddenLine xmlns:a14="http://schemas.microsoft.com/office/drawing/2010/main" w="9525">
+              <a14:hiddenLine xmlns:a14="http://schemas.microsoft.com/office/drawing/2010/main" xmlns="" w="9525">
                 <a:solidFill>
                   <a:srgbClr val="000000"/>
                 </a:solidFill>
@@ -1739,7 +1729,7 @@
     </p:spTree>
     <p:extLst>
       <p:ext uri="{BB962C8B-B14F-4D97-AF65-F5344CB8AC3E}">
-        <p14:creationId xmlns:p14="http://schemas.microsoft.com/office/powerpoint/2010/main" val="2484743738"/>
+        <p14:creationId xmlns:p14="http://schemas.microsoft.com/office/powerpoint/2010/main" xmlns="" val="2484743738"/>
       </p:ext>
     </p:extLst>
   </p:cSld>
@@ -1891,7 +1881,7 @@
           <a:blip r:embed="rId2" cstate="print">
             <a:extLst>
               <a:ext uri="{28A0092B-C50C-407E-A947-70E740481C1C}">
-                <a14:useLocalDpi xmlns:a14="http://schemas.microsoft.com/office/drawing/2010/main" val="0"/>
+                <a14:useLocalDpi xmlns:a14="http://schemas.microsoft.com/office/drawing/2010/main" xmlns="" val="0"/>
               </a:ext>
             </a:extLst>
           </a:blip>
@@ -1914,14 +1904,14 @@
           </a:ln>
           <a:extLst>
             <a:ext uri="{909E8E84-426E-40DD-AFC4-6F175D3DCCD1}">
-              <a14:hiddenFill xmlns:a14="http://schemas.microsoft.com/office/drawing/2010/main">
+              <a14:hiddenFill xmlns:a14="http://schemas.microsoft.com/office/drawing/2010/main" xmlns="">
                 <a:solidFill>
                   <a:srgbClr val="FFFFFF"/>
                 </a:solidFill>
               </a14:hiddenFill>
             </a:ext>
             <a:ext uri="{91240B29-F687-4F45-9708-019B960494DF}">
-              <a14:hiddenLine xmlns:a14="http://schemas.microsoft.com/office/drawing/2010/main" w="9525">
+              <a14:hiddenLine xmlns:a14="http://schemas.microsoft.com/office/drawing/2010/main" xmlns="" w="9525">
                 <a:solidFill>
                   <a:srgbClr val="000000"/>
                 </a:solidFill>
@@ -1991,7 +1981,7 @@
           <a:blip r:embed="rId3" cstate="print">
             <a:extLst>
               <a:ext uri="{28A0092B-C50C-407E-A947-70E740481C1C}">
-                <a14:useLocalDpi xmlns:a14="http://schemas.microsoft.com/office/drawing/2010/main" val="0"/>
+                <a14:useLocalDpi xmlns:a14="http://schemas.microsoft.com/office/drawing/2010/main" xmlns="" val="0"/>
               </a:ext>
             </a:extLst>
           </a:blip>
@@ -2017,7 +2007,7 @@
     </p:spTree>
     <p:extLst>
       <p:ext uri="{BB962C8B-B14F-4D97-AF65-F5344CB8AC3E}">
-        <p14:creationId xmlns:p14="http://schemas.microsoft.com/office/powerpoint/2010/main" val="3454429137"/>
+        <p14:creationId xmlns:p14="http://schemas.microsoft.com/office/powerpoint/2010/main" xmlns="" val="3454429137"/>
       </p:ext>
     </p:extLst>
   </p:cSld>
@@ -2169,7 +2159,7 @@
           <a:blip r:embed="rId2" cstate="print">
             <a:extLst>
               <a:ext uri="{28A0092B-C50C-407E-A947-70E740481C1C}">
-                <a14:useLocalDpi xmlns:a14="http://schemas.microsoft.com/office/drawing/2010/main" val="0"/>
+                <a14:useLocalDpi xmlns:a14="http://schemas.microsoft.com/office/drawing/2010/main" xmlns="" val="0"/>
               </a:ext>
             </a:extLst>
           </a:blip>
@@ -2192,14 +2182,14 @@
           </a:ln>
           <a:extLst>
             <a:ext uri="{909E8E84-426E-40DD-AFC4-6F175D3DCCD1}">
-              <a14:hiddenFill xmlns:a14="http://schemas.microsoft.com/office/drawing/2010/main">
+              <a14:hiddenFill xmlns:a14="http://schemas.microsoft.com/office/drawing/2010/main" xmlns="">
                 <a:solidFill>
                   <a:srgbClr val="FFFFFF"/>
                 </a:solidFill>
               </a14:hiddenFill>
             </a:ext>
             <a:ext uri="{91240B29-F687-4F45-9708-019B960494DF}">
-              <a14:hiddenLine xmlns:a14="http://schemas.microsoft.com/office/drawing/2010/main" w="9525">
+              <a14:hiddenLine xmlns:a14="http://schemas.microsoft.com/office/drawing/2010/main" xmlns="" w="9525">
                 <a:solidFill>
                   <a:srgbClr val="000000"/>
                 </a:solidFill>
@@ -2289,7 +2279,7 @@
     </p:spTree>
     <p:extLst>
       <p:ext uri="{BB962C8B-B14F-4D97-AF65-F5344CB8AC3E}">
-        <p14:creationId xmlns:p14="http://schemas.microsoft.com/office/powerpoint/2010/main" val="3729433090"/>
+        <p14:creationId xmlns:p14="http://schemas.microsoft.com/office/powerpoint/2010/main" xmlns="" val="3729433090"/>
       </p:ext>
     </p:extLst>
   </p:cSld>
@@ -2403,7 +2393,7 @@
     </p:spTree>
     <p:extLst>
       <p:ext uri="{BB962C8B-B14F-4D97-AF65-F5344CB8AC3E}">
-        <p14:creationId xmlns:p14="http://schemas.microsoft.com/office/powerpoint/2010/main" val="1909642"/>
+        <p14:creationId xmlns:p14="http://schemas.microsoft.com/office/powerpoint/2010/main" xmlns="" val="1909642"/>
       </p:ext>
     </p:extLst>
   </p:cSld>
@@ -2569,7 +2559,7 @@
     </p:spTree>
     <p:extLst>
       <p:ext uri="{BB962C8B-B14F-4D97-AF65-F5344CB8AC3E}">
-        <p14:creationId xmlns:p14="http://schemas.microsoft.com/office/powerpoint/2010/main" val="2302105570"/>
+        <p14:creationId xmlns:p14="http://schemas.microsoft.com/office/powerpoint/2010/main" xmlns="" val="2302105570"/>
       </p:ext>
     </p:extLst>
   </p:cSld>
@@ -2621,7 +2611,7 @@
     </p:spTree>
     <p:extLst>
       <p:ext uri="{BB962C8B-B14F-4D97-AF65-F5344CB8AC3E}">
-        <p14:creationId xmlns:p14="http://schemas.microsoft.com/office/powerpoint/2010/main" val="3996867333"/>
+        <p14:creationId xmlns:p14="http://schemas.microsoft.com/office/powerpoint/2010/main" xmlns="" val="3996867333"/>
       </p:ext>
     </p:extLst>
   </p:cSld>
@@ -2706,7 +2696,7 @@
     </p:spTree>
     <p:extLst>
       <p:ext uri="{BB962C8B-B14F-4D97-AF65-F5344CB8AC3E}">
-        <p14:creationId xmlns:p14="http://schemas.microsoft.com/office/powerpoint/2010/main" val="1050377336"/>
+        <p14:creationId xmlns:p14="http://schemas.microsoft.com/office/powerpoint/2010/main" xmlns="" val="1050377336"/>
       </p:ext>
     </p:extLst>
   </p:cSld>
@@ -2757,7 +2747,7 @@
           </a:ln>
           <a:extLst>
             <a:ext uri="{91240B29-F687-4F45-9708-019B960494DF}">
-              <a14:hiddenLine xmlns:a14="http://schemas.microsoft.com/office/drawing/2010/main" w="0">
+              <a14:hiddenLine xmlns:a14="http://schemas.microsoft.com/office/drawing/2010/main" xmlns="" w="0">
                 <a:solidFill>
                   <a:srgbClr val="000000"/>
                 </a:solidFill>
@@ -2868,7 +2858,7 @@
     </p:spTree>
     <p:extLst>
       <p:ext uri="{BB962C8B-B14F-4D97-AF65-F5344CB8AC3E}">
-        <p14:creationId xmlns:p14="http://schemas.microsoft.com/office/powerpoint/2010/main" val="3792496676"/>
+        <p14:creationId xmlns:p14="http://schemas.microsoft.com/office/powerpoint/2010/main" xmlns="" val="3792496676"/>
       </p:ext>
     </p:extLst>
   </p:cSld>
@@ -2919,7 +2909,7 @@
           </a:ln>
           <a:extLst>
             <a:ext uri="{91240B29-F687-4F45-9708-019B960494DF}">
-              <a14:hiddenLine xmlns:a14="http://schemas.microsoft.com/office/drawing/2010/main" w="0">
+              <a14:hiddenLine xmlns:a14="http://schemas.microsoft.com/office/drawing/2010/main" xmlns="" w="0">
                 <a:solidFill>
                   <a:srgbClr val="000000"/>
                 </a:solidFill>
@@ -3082,7 +3072,7 @@
     </p:spTree>
     <p:extLst>
       <p:ext uri="{BB962C8B-B14F-4D97-AF65-F5344CB8AC3E}">
-        <p14:creationId xmlns:p14="http://schemas.microsoft.com/office/powerpoint/2010/main" val="3903509568"/>
+        <p14:creationId xmlns:p14="http://schemas.microsoft.com/office/powerpoint/2010/main" xmlns="" val="3903509568"/>
       </p:ext>
     </p:extLst>
   </p:cSld>
@@ -3133,7 +3123,7 @@
           </a:ln>
           <a:extLst>
             <a:ext uri="{91240B29-F687-4F45-9708-019B960494DF}">
-              <a14:hiddenLine xmlns:a14="http://schemas.microsoft.com/office/drawing/2010/main" w="0">
+              <a14:hiddenLine xmlns:a14="http://schemas.microsoft.com/office/drawing/2010/main" xmlns="" w="0">
                 <a:solidFill>
                   <a:srgbClr val="000000"/>
                 </a:solidFill>
@@ -3182,7 +3172,7 @@
     </p:spTree>
     <p:extLst>
       <p:ext uri="{BB962C8B-B14F-4D97-AF65-F5344CB8AC3E}">
-        <p14:creationId xmlns:p14="http://schemas.microsoft.com/office/powerpoint/2010/main" val="4109836660"/>
+        <p14:creationId xmlns:p14="http://schemas.microsoft.com/office/powerpoint/2010/main" xmlns="" val="4109836660"/>
       </p:ext>
     </p:extLst>
   </p:cSld>
@@ -3233,7 +3223,7 @@
           </a:ln>
           <a:extLst>
             <a:ext uri="{91240B29-F687-4F45-9708-019B960494DF}">
-              <a14:hiddenLine xmlns:a14="http://schemas.microsoft.com/office/drawing/2010/main" w="0">
+              <a14:hiddenLine xmlns:a14="http://schemas.microsoft.com/office/drawing/2010/main" xmlns="" w="0">
                 <a:solidFill>
                   <a:srgbClr val="000000"/>
                 </a:solidFill>
@@ -3315,7 +3305,7 @@
     </p:spTree>
     <p:extLst>
       <p:ext uri="{BB962C8B-B14F-4D97-AF65-F5344CB8AC3E}">
-        <p14:creationId xmlns:p14="http://schemas.microsoft.com/office/powerpoint/2010/main" val="2056635799"/>
+        <p14:creationId xmlns:p14="http://schemas.microsoft.com/office/powerpoint/2010/main" xmlns="" val="2056635799"/>
       </p:ext>
     </p:extLst>
   </p:cSld>
@@ -3374,14 +3364,14 @@
           </a:ln>
           <a:extLst>
             <a:ext uri="{909E8E84-426E-40DD-AFC4-6F175D3DCCD1}">
-              <a14:hiddenFill xmlns:a14="http://schemas.microsoft.com/office/drawing/2010/main">
+              <a14:hiddenFill xmlns:a14="http://schemas.microsoft.com/office/drawing/2010/main" xmlns="">
                 <a:solidFill>
                   <a:srgbClr val="FFFFFF"/>
                 </a:solidFill>
               </a14:hiddenFill>
             </a:ext>
             <a:ext uri="{91240B29-F687-4F45-9708-019B960494DF}">
-              <a14:hiddenLine xmlns:a14="http://schemas.microsoft.com/office/drawing/2010/main" w="9525">
+              <a14:hiddenLine xmlns:a14="http://schemas.microsoft.com/office/drawing/2010/main" xmlns="" w="9525">
                 <a:solidFill>
                   <a:srgbClr val="000000"/>
                 </a:solidFill>
@@ -3432,14 +3422,14 @@
           </a:ln>
           <a:extLst>
             <a:ext uri="{909E8E84-426E-40DD-AFC4-6F175D3DCCD1}">
-              <a14:hiddenFill xmlns:a14="http://schemas.microsoft.com/office/drawing/2010/main">
+              <a14:hiddenFill xmlns:a14="http://schemas.microsoft.com/office/drawing/2010/main" xmlns="">
                 <a:solidFill>
                   <a:srgbClr val="FFFFFF"/>
                 </a:solidFill>
               </a14:hiddenFill>
             </a:ext>
             <a:ext uri="{91240B29-F687-4F45-9708-019B960494DF}">
-              <a14:hiddenLine xmlns:a14="http://schemas.microsoft.com/office/drawing/2010/main" w="9525">
+              <a14:hiddenLine xmlns:a14="http://schemas.microsoft.com/office/drawing/2010/main" xmlns="" w="9525">
                 <a:solidFill>
                   <a:srgbClr val="000000"/>
                 </a:solidFill>
@@ -3516,14 +3506,14 @@
           </a:ln>
           <a:extLst>
             <a:ext uri="{909E8E84-426E-40DD-AFC4-6F175D3DCCD1}">
-              <a14:hiddenFill xmlns:a14="http://schemas.microsoft.com/office/drawing/2010/main">
+              <a14:hiddenFill xmlns:a14="http://schemas.microsoft.com/office/drawing/2010/main" xmlns="">
                 <a:solidFill>
                   <a:srgbClr val="FFFFFF"/>
                 </a:solidFill>
               </a14:hiddenFill>
             </a:ext>
             <a:ext uri="{91240B29-F687-4F45-9708-019B960494DF}">
-              <a14:hiddenLine xmlns:a14="http://schemas.microsoft.com/office/drawing/2010/main" w="9525">
+              <a14:hiddenLine xmlns:a14="http://schemas.microsoft.com/office/drawing/2010/main" xmlns="" w="9525">
                 <a:solidFill>
                   <a:srgbClr val="000000"/>
                 </a:solidFill>
@@ -3682,7 +3672,7 @@
           </a:ln>
           <a:extLst>
             <a:ext uri="{909E8E84-426E-40DD-AFC4-6F175D3DCCD1}">
-              <a14:hiddenFill xmlns:a14="http://schemas.microsoft.com/office/drawing/2010/main">
+              <a14:hiddenFill xmlns:a14="http://schemas.microsoft.com/office/drawing/2010/main" xmlns="">
                 <a:noFill/>
               </a14:hiddenFill>
             </a:ext>
@@ -3708,7 +3698,7 @@
           <a:blip r:embed="rId16" cstate="print">
             <a:extLst>
               <a:ext uri="{28A0092B-C50C-407E-A947-70E740481C1C}">
-                <a14:useLocalDpi xmlns:a14="http://schemas.microsoft.com/office/drawing/2010/main" val="0"/>
+                <a14:useLocalDpi xmlns:a14="http://schemas.microsoft.com/office/drawing/2010/main" xmlns="" val="0"/>
               </a:ext>
             </a:extLst>
           </a:blip>
@@ -3731,14 +3721,14 @@
           </a:ln>
           <a:extLst>
             <a:ext uri="{909E8E84-426E-40DD-AFC4-6F175D3DCCD1}">
-              <a14:hiddenFill xmlns:a14="http://schemas.microsoft.com/office/drawing/2010/main">
+              <a14:hiddenFill xmlns:a14="http://schemas.microsoft.com/office/drawing/2010/main" xmlns="">
                 <a:solidFill>
                   <a:srgbClr val="FFFFFF"/>
                 </a:solidFill>
               </a14:hiddenFill>
             </a:ext>
             <a:ext uri="{91240B29-F687-4F45-9708-019B960494DF}">
-              <a14:hiddenLine xmlns:a14="http://schemas.microsoft.com/office/drawing/2010/main" w="9525">
+              <a14:hiddenLine xmlns:a14="http://schemas.microsoft.com/office/drawing/2010/main" xmlns="" w="9525">
                 <a:solidFill>
                   <a:srgbClr val="000000"/>
                 </a:solidFill>
@@ -4225,6 +4215,13 @@
   <p:clrMapOvr>
     <a:masterClrMapping/>
   </p:clrMapOvr>
+  <p:timing>
+    <p:tnLst>
+      <p:par>
+        <p:cTn id="1" dur="indefinite" restart="never" nodeType="tmRoot"/>
+      </p:par>
+    </p:tnLst>
+  </p:timing>
 </p:sld>
 </file>
 
@@ -4247,7 +4244,13 @@
       </p:grpSpPr>
       <p:sp>
         <p:nvSpPr>
-          <p:cNvPr id="2" name="Titel 1"/>
+          <p:cNvPr id="2" name="Titel 1">
+            <a:extLst>
+              <a:ext uri="{FF2B5EF4-FFF2-40B4-BE49-F238E27FC236}">
+                <a16:creationId xmlns:a16="http://schemas.microsoft.com/office/drawing/2014/main" xmlns="" id="{14C51E73-458A-4EDF-BBB8-DFF5A6CE2348}"/>
+              </a:ext>
+            </a:extLst>
+          </p:cNvPr>
           <p:cNvSpPr>
             <a:spLocks noGrp="1"/>
           </p:cNvSpPr>
@@ -4262,116 +4265,63 @@
           <a:p>
             <a:r>
               <a:rPr lang="de-DE" dirty="0"/>
-              <a:t>Programm zum Abschätzen der max. Flughöhe</a:t>
-            </a:r>
-          </a:p>
-        </p:txBody>
-      </p:sp>
-      <p:sp>
-        <p:nvSpPr>
-          <p:cNvPr id="3" name="Inhaltsplatzhalter 2"/>
-          <p:cNvSpPr>
-            <a:spLocks noGrp="1"/>
-          </p:cNvSpPr>
+              <a:t>Programmablauf</a:t>
+            </a:r>
+          </a:p>
+        </p:txBody>
+      </p:sp>
+      <p:pic>
+        <p:nvPicPr>
+          <p:cNvPr id="5" name="Inhaltsplatzhalter 4">
+            <a:extLst>
+              <a:ext uri="{FF2B5EF4-FFF2-40B4-BE49-F238E27FC236}">
+                <a16:creationId xmlns:a16="http://schemas.microsoft.com/office/drawing/2014/main" xmlns="" id="{EC3E987D-3CD6-40C7-A605-2CFE65C28EE9}"/>
+              </a:ext>
+            </a:extLst>
+          </p:cNvPr>
+          <p:cNvPicPr>
+            <a:picLocks noGrp="1" noChangeAspect="1"/>
+          </p:cNvPicPr>
           <p:nvPr>
             <p:ph idx="1"/>
           </p:nvPr>
-        </p:nvSpPr>
-        <p:spPr/>
-        <p:txBody>
-          <a:bodyPr/>
-          <a:lstStyle/>
-          <a:p>
-            <a:r>
-              <a:rPr lang="de-DE" dirty="0"/>
-              <a:t>Ablauf des Programms:</a:t>
-            </a:r>
-          </a:p>
-          <a:p>
-            <a:r>
-              <a:rPr lang="de-DE" dirty="0"/>
-              <a:t>	</a:t>
-            </a:r>
-          </a:p>
-          <a:p>
-            <a:pPr>
-              <a:buFont typeface="Arial" pitchFamily="34" charset="0"/>
-              <a:buChar char="•"/>
-            </a:pPr>
-            <a:r>
-              <a:rPr lang="de-DE" dirty="0"/>
-              <a:t>Festlegung des zu untersuchenden Fluggeräts (Motor-, Propeller-, Batterieparameter und weiterer Missionsparameter sowie Randbedingungen)</a:t>
-            </a:r>
-          </a:p>
-          <a:p>
-            <a:pPr>
-              <a:buFont typeface="Arial" pitchFamily="34" charset="0"/>
-              <a:buChar char="•"/>
-            </a:pPr>
-            <a:endParaRPr lang="de-DE" dirty="0"/>
-          </a:p>
-          <a:p>
-            <a:pPr>
-              <a:buFont typeface="Arial" pitchFamily="34" charset="0"/>
-              <a:buChar char="•"/>
-            </a:pPr>
-            <a:r>
-              <a:rPr lang="de-DE" dirty="0"/>
-              <a:t>Leistungsberechnung basiert auf Datenbanken zu Propellern (APC), Motoren und Batterien</a:t>
-            </a:r>
-          </a:p>
-          <a:p>
-            <a:pPr>
-              <a:buFont typeface="Arial" pitchFamily="34" charset="0"/>
-              <a:buChar char="•"/>
-            </a:pPr>
-            <a:endParaRPr lang="de-DE" dirty="0"/>
-          </a:p>
-          <a:p>
-            <a:pPr>
-              <a:buFont typeface="Arial" pitchFamily="34" charset="0"/>
-              <a:buChar char="•"/>
-            </a:pPr>
-            <a:r>
-              <a:rPr lang="de-DE" dirty="0"/>
-              <a:t>Berechnung diverser Leistungsparameter : Motorstrom und –</a:t>
-            </a:r>
-            <a:r>
-              <a:rPr lang="de-DE" dirty="0" err="1"/>
-              <a:t>spannung</a:t>
-            </a:r>
-            <a:r>
-              <a:rPr lang="de-DE" dirty="0"/>
-              <a:t>, Propellerdrehzahl und –</a:t>
-            </a:r>
-            <a:r>
-              <a:rPr lang="de-DE" dirty="0" err="1"/>
-              <a:t>drehmoment</a:t>
-            </a:r>
-            <a:r>
-              <a:rPr lang="de-DE" dirty="0"/>
-              <a:t>, Batterieentladung und vor allem Restladung, Wirkungsgrad, Schubhebelstellung, </a:t>
-            </a:r>
-            <a:r>
-              <a:rPr lang="de-DE" dirty="0" err="1"/>
-              <a:t>etc</a:t>
-            </a:r>
-            <a:endParaRPr lang="de-DE" dirty="0"/>
-          </a:p>
-          <a:p>
-            <a:pPr>
-              <a:buFont typeface="Arial" pitchFamily="34" charset="0"/>
-              <a:buChar char="•"/>
-            </a:pPr>
-            <a:endParaRPr lang="de-DE" dirty="0"/>
-          </a:p>
-        </p:txBody>
-      </p:sp>
+        </p:nvPicPr>
+        <p:blipFill>
+          <a:blip r:embed="rId2" cstate="print">
+            <a:extLst>
+              <a:ext uri="{28A0092B-C50C-407E-A947-70E740481C1C}">
+                <a14:useLocalDpi xmlns:a14="http://schemas.microsoft.com/office/drawing/2010/main" xmlns="" val="0"/>
+              </a:ext>
+            </a:extLst>
+          </a:blip>
+          <a:stretch>
+            <a:fillRect/>
+          </a:stretch>
+        </p:blipFill>
+        <p:spPr>
+          <a:xfrm>
+            <a:off x="1987754" y="1260475"/>
+            <a:ext cx="5263741" cy="4498975"/>
+          </a:xfrm>
+        </p:spPr>
+      </p:pic>
     </p:spTree>
+    <p:extLst>
+      <p:ext uri="{BB962C8B-B14F-4D97-AF65-F5344CB8AC3E}">
+        <p14:creationId xmlns:p14="http://schemas.microsoft.com/office/powerpoint/2010/main" xmlns="" val="3919740042"/>
+      </p:ext>
+    </p:extLst>
   </p:cSld>
   <p:clrMapOvr>
     <a:masterClrMapping/>
   </p:clrMapOvr>
+  <p:timing>
+    <p:tnLst>
+      <p:par>
+        <p:cTn id="1" dur="indefinite" restart="never" nodeType="tmRoot"/>
+      </p:par>
+    </p:tnLst>
+  </p:timing>
 </p:sld>
 </file>
 
@@ -4394,13 +4344,7 @@
       </p:grpSpPr>
       <p:sp>
         <p:nvSpPr>
-          <p:cNvPr id="2" name="Titel 1">
-            <a:extLst>
-              <a:ext uri="{FF2B5EF4-FFF2-40B4-BE49-F238E27FC236}">
-                <a16:creationId xmlns:a16="http://schemas.microsoft.com/office/drawing/2014/main" id="{14C51E73-458A-4EDF-BBB8-DFF5A6CE2348}"/>
-              </a:ext>
-            </a:extLst>
-          </p:cNvPr>
+          <p:cNvPr id="2" name="Titel 1"/>
           <p:cNvSpPr>
             <a:spLocks noGrp="1"/>
           </p:cNvSpPr>
@@ -4415,56 +4359,135 @@
           <a:p>
             <a:r>
               <a:rPr lang="de-DE" dirty="0"/>
-              <a:t>Programmablauf</a:t>
-            </a:r>
-          </a:p>
-        </p:txBody>
-      </p:sp>
-      <p:pic>
-        <p:nvPicPr>
-          <p:cNvPr id="5" name="Inhaltsplatzhalter 4">
-            <a:extLst>
-              <a:ext uri="{FF2B5EF4-FFF2-40B4-BE49-F238E27FC236}">
-                <a16:creationId xmlns:a16="http://schemas.microsoft.com/office/drawing/2014/main" id="{EC3E987D-3CD6-40C7-A605-2CFE65C28EE9}"/>
-              </a:ext>
-            </a:extLst>
-          </p:cNvPr>
-          <p:cNvPicPr>
-            <a:picLocks noGrp="1" noChangeAspect="1"/>
-          </p:cNvPicPr>
+              <a:t>Erste Abschätzung</a:t>
+            </a:r>
+          </a:p>
+        </p:txBody>
+      </p:sp>
+      <p:sp>
+        <p:nvSpPr>
+          <p:cNvPr id="3" name="Inhaltsplatzhalter 2"/>
+          <p:cNvSpPr>
+            <a:spLocks noGrp="1"/>
+          </p:cNvSpPr>
           <p:nvPr>
             <p:ph idx="1"/>
           </p:nvPr>
-        </p:nvPicPr>
-        <p:blipFill>
-          <a:blip r:embed="rId2">
-            <a:extLst>
-              <a:ext uri="{28A0092B-C50C-407E-A947-70E740481C1C}">
-                <a14:useLocalDpi xmlns:a14="http://schemas.microsoft.com/office/drawing/2010/main" val="0"/>
-              </a:ext>
-            </a:extLst>
-          </a:blip>
-          <a:stretch>
-            <a:fillRect/>
-          </a:stretch>
-        </p:blipFill>
-        <p:spPr>
-          <a:xfrm>
-            <a:off x="1987754" y="1260475"/>
-            <a:ext cx="5263741" cy="4498975"/>
-          </a:xfrm>
-        </p:spPr>
-      </p:pic>
+        </p:nvSpPr>
+        <p:spPr/>
+        <p:txBody>
+          <a:bodyPr/>
+          <a:lstStyle/>
+          <a:p>
+            <a:pPr>
+              <a:buFont typeface="Arial" pitchFamily="34" charset="0"/>
+              <a:buChar char="•"/>
+            </a:pPr>
+            <a:endParaRPr lang="de-DE" dirty="0"/>
+          </a:p>
+          <a:p>
+            <a:r>
+              <a:rPr lang="de-DE" dirty="0"/>
+              <a:t>Randbedingungen für Mission</a:t>
+            </a:r>
+          </a:p>
+          <a:p>
+            <a:endParaRPr lang="de-DE" dirty="0"/>
+          </a:p>
+          <a:p>
+            <a:pPr>
+              <a:buFont typeface="Arial" pitchFamily="34" charset="0"/>
+              <a:buChar char="•"/>
+            </a:pPr>
+            <a:r>
+              <a:rPr lang="de-DE" dirty="0"/>
+              <a:t>Nutzlast von 250g</a:t>
+            </a:r>
+          </a:p>
+          <a:p>
+            <a:pPr>
+              <a:buFont typeface="Arial" pitchFamily="34" charset="0"/>
+              <a:buChar char="•"/>
+            </a:pPr>
+            <a:r>
+              <a:rPr lang="de-DE" dirty="0"/>
+              <a:t>Windgeschwindigkeit lateral: 100km/h</a:t>
+            </a:r>
+          </a:p>
+          <a:p>
+            <a:pPr>
+              <a:buFont typeface="Arial" pitchFamily="34" charset="0"/>
+              <a:buChar char="•"/>
+            </a:pPr>
+            <a:r>
+              <a:rPr lang="de-DE" dirty="0"/>
+              <a:t>Minimale Restkapazität: 30%</a:t>
+            </a:r>
+          </a:p>
+          <a:p>
+            <a:pPr>
+              <a:buFont typeface="Arial" pitchFamily="34" charset="0"/>
+              <a:buChar char="•"/>
+            </a:pPr>
+            <a:endParaRPr lang="de-DE" dirty="0"/>
+          </a:p>
+          <a:p>
+            <a:pPr>
+              <a:buFont typeface="Arial" pitchFamily="34" charset="0"/>
+              <a:buChar char="•"/>
+            </a:pPr>
+            <a:endParaRPr lang="de-DE" dirty="0"/>
+          </a:p>
+          <a:p>
+            <a:r>
+              <a:rPr lang="de-DE" dirty="0"/>
+              <a:t>Allgemeine Randbedingungen</a:t>
+            </a:r>
+          </a:p>
+          <a:p>
+            <a:pPr>
+              <a:buFont typeface="Arial" pitchFamily="34" charset="0"/>
+              <a:buChar char="•"/>
+            </a:pPr>
+            <a:r>
+              <a:rPr lang="de-DE" dirty="0"/>
+              <a:t>Konstante Steiggeschwindigkeit von 10m/s</a:t>
+            </a:r>
+          </a:p>
+          <a:p>
+            <a:pPr>
+              <a:buFont typeface="Arial" pitchFamily="34" charset="0"/>
+              <a:buChar char="•"/>
+            </a:pPr>
+            <a:r>
+              <a:rPr lang="de-DE" dirty="0"/>
+              <a:t>Annahme einer Normatmosphäre</a:t>
+            </a:r>
+          </a:p>
+          <a:p>
+            <a:pPr>
+              <a:buFont typeface="Arial" pitchFamily="34" charset="0"/>
+              <a:buChar char="•"/>
+            </a:pPr>
+            <a:r>
+              <a:rPr lang="de-DE" dirty="0"/>
+              <a:t>Höhenprofil implementierbar</a:t>
+            </a:r>
+          </a:p>
+        </p:txBody>
+      </p:sp>
     </p:spTree>
-    <p:extLst>
-      <p:ext uri="{BB962C8B-B14F-4D97-AF65-F5344CB8AC3E}">
-        <p14:creationId xmlns:p14="http://schemas.microsoft.com/office/powerpoint/2010/main" val="3919740042"/>
-      </p:ext>
-    </p:extLst>
   </p:cSld>
   <p:clrMapOvr>
     <a:masterClrMapping/>
   </p:clrMapOvr>
+  <p:timing>
+    <p:tnLst>
+      <p:par>
+        <p:cTn id="1" dur="indefinite" restart="never" nodeType="tmRoot"/>
+      </p:par>
+    </p:tnLst>
+  </p:timing>
 </p:sld>
 </file>
 
@@ -4502,7 +4525,7 @@
           <a:p>
             <a:r>
               <a:rPr lang="de-DE" dirty="0"/>
-              <a:t>Erste Abschätzung</a:t>
+              <a:t>Verwendetes Fluggerät</a:t>
             </a:r>
           </a:p>
         </p:txBody>
@@ -4521,6 +4544,51 @@
         <p:txBody>
           <a:bodyPr/>
           <a:lstStyle/>
+          <a:p>
+            <a:r>
+              <a:rPr lang="de-DE" dirty="0" err="1"/>
+              <a:t>Quadrocopter</a:t>
+            </a:r>
+            <a:endParaRPr lang="de-DE" dirty="0"/>
+          </a:p>
+          <a:p>
+            <a:endParaRPr lang="de-DE" dirty="0"/>
+          </a:p>
+          <a:p>
+            <a:r>
+              <a:rPr lang="de-DE" dirty="0"/>
+              <a:t>Bezug auf </a:t>
+            </a:r>
+            <a:r>
+              <a:rPr lang="de-DE" dirty="0" err="1"/>
+              <a:t>Quadrocopter</a:t>
+            </a:r>
+            <a:r>
+              <a:rPr lang="de-DE" dirty="0"/>
+              <a:t> aus Russland (max. Höhe 10200 m)</a:t>
+            </a:r>
+          </a:p>
+          <a:p>
+            <a:endParaRPr lang="de-DE" dirty="0"/>
+          </a:p>
+          <a:p>
+            <a:pPr>
+              <a:buFont typeface="Arial" pitchFamily="34" charset="0"/>
+              <a:buChar char="•"/>
+            </a:pPr>
+            <a:r>
+              <a:rPr lang="de-DE" dirty="0"/>
+              <a:t>Motor: </a:t>
+            </a:r>
+            <a:r>
+              <a:rPr lang="de-DE" dirty="0" err="1"/>
+              <a:t>Cobra</a:t>
+            </a:r>
+            <a:r>
+              <a:rPr lang="de-DE" dirty="0"/>
+              <a:t> CM2206 / 1400</a:t>
+            </a:r>
+          </a:p>
           <a:p>
             <a:pPr>
               <a:buFont typeface="Arial" pitchFamily="34" charset="0"/>
@@ -4529,42 +4597,13 @@
             <a:endParaRPr lang="de-DE" dirty="0"/>
           </a:p>
           <a:p>
-            <a:r>
-              <a:rPr lang="de-DE" dirty="0"/>
-              <a:t>Randbedingungen für Mission</a:t>
-            </a:r>
-          </a:p>
-          <a:p>
-            <a:endParaRPr lang="de-DE" dirty="0"/>
-          </a:p>
-          <a:p>
             <a:pPr>
               <a:buFont typeface="Arial" pitchFamily="34" charset="0"/>
               <a:buChar char="•"/>
             </a:pPr>
             <a:r>
               <a:rPr lang="de-DE" dirty="0"/>
-              <a:t>Nutzlast von 250g</a:t>
-            </a:r>
-          </a:p>
-          <a:p>
-            <a:pPr>
-              <a:buFont typeface="Arial" pitchFamily="34" charset="0"/>
-              <a:buChar char="•"/>
-            </a:pPr>
-            <a:r>
-              <a:rPr lang="de-DE" dirty="0"/>
-              <a:t>Windgeschwindigkeit lateral: 100km/h</a:t>
-            </a:r>
-          </a:p>
-          <a:p>
-            <a:pPr>
-              <a:buFont typeface="Arial" pitchFamily="34" charset="0"/>
-              <a:buChar char="•"/>
-            </a:pPr>
-            <a:r>
-              <a:rPr lang="de-DE" dirty="0"/>
-              <a:t>Minimale Restkapazität: 30%</a:t>
+              <a:t>Propeller:  APC 9x4</a:t>
             </a:r>
           </a:p>
           <a:p>
@@ -4579,12 +4618,17 @@
               <a:buFont typeface="Arial" pitchFamily="34" charset="0"/>
               <a:buChar char="•"/>
             </a:pPr>
-            <a:endParaRPr lang="de-DE" dirty="0"/>
-          </a:p>
-          <a:p>
             <a:r>
               <a:rPr lang="de-DE" dirty="0"/>
-              <a:t>Allgemeine Randbedingungen</a:t>
+              <a:t>Batterie: Assembling Li-</a:t>
+            </a:r>
+            <a:r>
+              <a:rPr lang="de-DE" dirty="0" err="1"/>
+              <a:t>ion</a:t>
+            </a:r>
+            <a:r>
+              <a:rPr lang="de-DE" dirty="0"/>
+              <a:t> 4s3p</a:t>
             </a:r>
           </a:p>
           <a:p>
@@ -4592,10 +4636,7 @@
               <a:buFont typeface="Arial" pitchFamily="34" charset="0"/>
               <a:buChar char="•"/>
             </a:pPr>
-            <a:r>
-              <a:rPr lang="de-DE" dirty="0"/>
-              <a:t>Konstante Steiggeschwindigkeit von 10m/s</a:t>
-            </a:r>
+            <a:endParaRPr lang="de-DE" dirty="0"/>
           </a:p>
           <a:p>
             <a:pPr>
@@ -4604,26 +4645,79 @@
             </a:pPr>
             <a:r>
               <a:rPr lang="de-DE" dirty="0"/>
-              <a:t>Annahme einer Normatmosphäre</a:t>
-            </a:r>
-          </a:p>
-          <a:p>
-            <a:pPr>
-              <a:buFont typeface="Arial" pitchFamily="34" charset="0"/>
-              <a:buChar char="•"/>
-            </a:pPr>
+              <a:t>Gewicht:  </a:t>
+            </a:r>
+            <a:r>
+              <a:rPr lang="de-DE" dirty="0" err="1"/>
+              <a:t>Copter</a:t>
+            </a:r>
             <a:r>
               <a:rPr lang="de-DE" dirty="0"/>
-              <a:t>Höhenprofil implementierbar</a:t>
-            </a:r>
-          </a:p>
-        </p:txBody>
-      </p:sp>
+              <a:t>: 0,5kg</a:t>
+            </a:r>
+          </a:p>
+          <a:p>
+            <a:r>
+              <a:rPr lang="de-DE" dirty="0"/>
+              <a:t>                      Batterie: 0,9kg</a:t>
+            </a:r>
+          </a:p>
+          <a:p>
+            <a:r>
+              <a:rPr lang="de-DE" dirty="0"/>
+              <a:t>		      Motor jeweils: 0,0365kg</a:t>
+            </a:r>
+          </a:p>
+        </p:txBody>
+      </p:sp>
+      <p:pic>
+        <p:nvPicPr>
+          <p:cNvPr id="7" name="Grafik 6">
+            <a:extLst>
+              <a:ext uri="{FF2B5EF4-FFF2-40B4-BE49-F238E27FC236}">
+                <a16:creationId xmlns:a16="http://schemas.microsoft.com/office/drawing/2014/main" xmlns="" id="{D4020725-EE22-41C9-A7AA-DBA9E1036CCA}"/>
+              </a:ext>
+            </a:extLst>
+          </p:cNvPr>
+          <p:cNvPicPr>
+            <a:picLocks noChangeAspect="1"/>
+          </p:cNvPicPr>
+          <p:nvPr/>
+        </p:nvPicPr>
+        <p:blipFill>
+          <a:blip r:embed="rId2" cstate="print">
+            <a:extLst>
+              <a:ext uri="{28A0092B-C50C-407E-A947-70E740481C1C}">
+                <a14:useLocalDpi xmlns:a14="http://schemas.microsoft.com/office/drawing/2010/main" xmlns="" val="0"/>
+              </a:ext>
+            </a:extLst>
+          </a:blip>
+          <a:stretch>
+            <a:fillRect/>
+          </a:stretch>
+        </p:blipFill>
+        <p:spPr>
+          <a:xfrm>
+            <a:off x="4042550" y="2420888"/>
+            <a:ext cx="4788024" cy="2542468"/>
+          </a:xfrm>
+          <a:prstGeom prst="rect">
+            <a:avLst/>
+          </a:prstGeom>
+        </p:spPr>
+      </p:pic>
     </p:spTree>
   </p:cSld>
   <p:clrMapOvr>
     <a:masterClrMapping/>
   </p:clrMapOvr>
+  <p:timing>
+    <p:tnLst>
+      <p:par>
+        <p:cTn id="1" dur="indefinite" restart="never" nodeType="tmRoot"/>
+      </p:par>
+    </p:tnLst>
+  </p:timing>
 </p:sld>
 </file>
 
@@ -4661,7 +4755,7 @@
           <a:p>
             <a:r>
               <a:rPr lang="de-DE" dirty="0"/>
-              <a:t>Verwendetes Fluggerät</a:t>
+              <a:t>Restladung</a:t>
             </a:r>
           </a:p>
         </p:txBody>
@@ -4681,165 +4775,34 @@
           <a:bodyPr/>
           <a:lstStyle/>
           <a:p>
-            <a:r>
-              <a:rPr lang="de-DE" dirty="0" err="1"/>
-              <a:t>Quadrocopter</a:t>
-            </a:r>
             <a:endParaRPr lang="de-DE" dirty="0"/>
-          </a:p>
-          <a:p>
-            <a:endParaRPr lang="de-DE" dirty="0"/>
-          </a:p>
-          <a:p>
-            <a:r>
-              <a:rPr lang="de-DE" dirty="0"/>
-              <a:t>Bezug auf </a:t>
-            </a:r>
-            <a:r>
-              <a:rPr lang="de-DE" dirty="0" err="1"/>
-              <a:t>Quadrocopter</a:t>
-            </a:r>
-            <a:r>
-              <a:rPr lang="de-DE" dirty="0"/>
-              <a:t> aus Russland (max. Höhe 10200 m)</a:t>
-            </a:r>
-          </a:p>
-          <a:p>
-            <a:endParaRPr lang="de-DE" dirty="0"/>
-          </a:p>
-          <a:p>
-            <a:pPr>
-              <a:buFont typeface="Arial" pitchFamily="34" charset="0"/>
-              <a:buChar char="•"/>
-            </a:pPr>
-            <a:r>
-              <a:rPr lang="de-DE" dirty="0"/>
-              <a:t>Motor: </a:t>
-            </a:r>
-            <a:r>
-              <a:rPr lang="de-DE" dirty="0" err="1"/>
-              <a:t>Cobra</a:t>
-            </a:r>
-            <a:r>
-              <a:rPr lang="de-DE" dirty="0"/>
-              <a:t> CM2206 / 1400</a:t>
-            </a:r>
-          </a:p>
-          <a:p>
-            <a:pPr>
-              <a:buFont typeface="Arial" pitchFamily="34" charset="0"/>
-              <a:buChar char="•"/>
-            </a:pPr>
-            <a:endParaRPr lang="de-DE" dirty="0"/>
-          </a:p>
-          <a:p>
-            <a:pPr>
-              <a:buFont typeface="Arial" pitchFamily="34" charset="0"/>
-              <a:buChar char="•"/>
-            </a:pPr>
-            <a:r>
-              <a:rPr lang="de-DE" dirty="0"/>
-              <a:t>Propeller:  APC 9x4</a:t>
-            </a:r>
-          </a:p>
-          <a:p>
-            <a:pPr>
-              <a:buFont typeface="Arial" pitchFamily="34" charset="0"/>
-              <a:buChar char="•"/>
-            </a:pPr>
-            <a:endParaRPr lang="de-DE" dirty="0"/>
-          </a:p>
-          <a:p>
-            <a:pPr>
-              <a:buFont typeface="Arial" pitchFamily="34" charset="0"/>
-              <a:buChar char="•"/>
-            </a:pPr>
-            <a:r>
-              <a:rPr lang="de-DE" dirty="0"/>
-              <a:t>Batterie: Assembling Li-</a:t>
-            </a:r>
-            <a:r>
-              <a:rPr lang="de-DE" dirty="0" err="1"/>
-              <a:t>ion</a:t>
-            </a:r>
-            <a:r>
-              <a:rPr lang="de-DE" dirty="0"/>
-              <a:t> 4s3p</a:t>
-            </a:r>
-          </a:p>
-          <a:p>
-            <a:pPr>
-              <a:buFont typeface="Arial" pitchFamily="34" charset="0"/>
-              <a:buChar char="•"/>
-            </a:pPr>
-            <a:endParaRPr lang="de-DE" dirty="0"/>
-          </a:p>
-          <a:p>
-            <a:pPr>
-              <a:buFont typeface="Arial" pitchFamily="34" charset="0"/>
-              <a:buChar char="•"/>
-            </a:pPr>
-            <a:r>
-              <a:rPr lang="de-DE" dirty="0"/>
-              <a:t>Gewicht:  </a:t>
-            </a:r>
-            <a:r>
-              <a:rPr lang="de-DE" dirty="0" err="1"/>
-              <a:t>Copter</a:t>
-            </a:r>
-            <a:r>
-              <a:rPr lang="de-DE" dirty="0"/>
-              <a:t>: 0,5kg</a:t>
-            </a:r>
-          </a:p>
-          <a:p>
-            <a:r>
-              <a:rPr lang="de-DE" dirty="0"/>
-              <a:t>                      Batterie: 0,9kg</a:t>
-            </a:r>
-          </a:p>
-          <a:p>
-            <a:r>
-              <a:rPr lang="de-DE" dirty="0"/>
-              <a:t>		      Motor jeweils: 0,0365kg</a:t>
-            </a:r>
           </a:p>
         </p:txBody>
       </p:sp>
       <p:pic>
         <p:nvPicPr>
-          <p:cNvPr id="7" name="Grafik 6">
-            <a:extLst>
-              <a:ext uri="{FF2B5EF4-FFF2-40B4-BE49-F238E27FC236}">
-                <a16:creationId xmlns:a16="http://schemas.microsoft.com/office/drawing/2014/main" id="{D4020725-EE22-41C9-A7AA-DBA9E1036CCA}"/>
-              </a:ext>
-            </a:extLst>
-          </p:cNvPr>
+          <p:cNvPr id="3074" name="Picture 2" descr="C:\Users\Cip\Desktop\Bachelorarbeit\Lucas\Vorstellung\C_Rest_V.jpg"/>
           <p:cNvPicPr>
-            <a:picLocks noChangeAspect="1"/>
+            <a:picLocks noChangeAspect="1" noChangeArrowheads="1"/>
           </p:cNvPicPr>
           <p:nvPr/>
         </p:nvPicPr>
         <p:blipFill>
-          <a:blip r:embed="rId2" cstate="print">
-            <a:extLst>
-              <a:ext uri="{28A0092B-C50C-407E-A947-70E740481C1C}">
-                <a14:useLocalDpi xmlns:a14="http://schemas.microsoft.com/office/drawing/2010/main" val="0"/>
-              </a:ext>
-            </a:extLst>
-          </a:blip>
+          <a:blip r:embed="rId2" cstate="print"/>
+          <a:srcRect/>
           <a:stretch>
             <a:fillRect/>
           </a:stretch>
         </p:blipFill>
-        <p:spPr>
-          <a:xfrm>
-            <a:off x="4042550" y="2420888"/>
-            <a:ext cx="4788024" cy="2542468"/>
+        <p:spPr bwMode="auto">
+          <a:xfrm>
+            <a:off x="1691681" y="1628800"/>
+            <a:ext cx="5568618" cy="4176464"/>
           </a:xfrm>
           <a:prstGeom prst="rect">
             <a:avLst/>
           </a:prstGeom>
+          <a:noFill/>
         </p:spPr>
       </p:pic>
     </p:spTree>
@@ -4847,6 +4810,13 @@
   <p:clrMapOvr>
     <a:masterClrMapping/>
   </p:clrMapOvr>
+  <p:timing>
+    <p:tnLst>
+      <p:par>
+        <p:cTn id="1" dur="indefinite" restart="never" nodeType="tmRoot"/>
+      </p:par>
+    </p:tnLst>
+  </p:timing>
 </p:sld>
 </file>
 
@@ -4884,7 +4854,7 @@
           <a:p>
             <a:r>
               <a:rPr lang="de-DE" dirty="0"/>
-              <a:t>Restladung</a:t>
+              <a:t>Drehzahl</a:t>
             </a:r>
           </a:p>
         </p:txBody>
@@ -4910,7 +4880,7 @@
       </p:sp>
       <p:pic>
         <p:nvPicPr>
-          <p:cNvPr id="4" name="Picture 2" descr="C:\Users\Cip\Desktop\Bachelorarbeit\Lucas\Leistungsberechnung\C_Rest_V.jpg"/>
+          <p:cNvPr id="1027" name="Picture 3" descr="C:\Users\Cip\Desktop\Bachelorarbeit\Lucas\Vorstellung\omega.jpg"/>
           <p:cNvPicPr>
             <a:picLocks noChangeAspect="1" noChangeArrowheads="1"/>
           </p:cNvPicPr>
@@ -4925,8 +4895,8 @@
         </p:blipFill>
         <p:spPr bwMode="auto">
           <a:xfrm>
-            <a:off x="1691681" y="1628800"/>
-            <a:ext cx="5568618" cy="4176464"/>
+            <a:off x="1691679" y="1628800"/>
+            <a:ext cx="5568619" cy="4176464"/>
           </a:xfrm>
           <a:prstGeom prst="rect">
             <a:avLst/>
@@ -4939,6 +4909,13 @@
   <p:clrMapOvr>
     <a:masterClrMapping/>
   </p:clrMapOvr>
+  <p:timing>
+    <p:tnLst>
+      <p:par>
+        <p:cTn id="1" dur="indefinite" restart="never" nodeType="tmRoot"/>
+      </p:par>
+    </p:tnLst>
+  </p:timing>
 </p:sld>
 </file>
 
@@ -4975,9 +4952,10 @@
           <a:lstStyle/>
           <a:p>
             <a:r>
-              <a:rPr lang="de-DE" dirty="0"/>
-              <a:t>Drehzahl</a:t>
-            </a:r>
+              <a:rPr lang="de-DE" dirty="0" smtClean="0"/>
+              <a:t>Gesamtwirkungsgrad</a:t>
+            </a:r>
+            <a:endParaRPr lang="de-DE" dirty="0"/>
           </a:p>
         </p:txBody>
       </p:sp>
@@ -5002,7 +4980,7 @@
       </p:sp>
       <p:pic>
         <p:nvPicPr>
-          <p:cNvPr id="4" name="Picture 2" descr="C:\Users\Cip\Desktop\Bachelorarbeit\Lucas\Leistungsberechnung\omega.jpg"/>
+          <p:cNvPr id="2054" name="Picture 6" descr="C:\Users\Cip\Desktop\Bachelorarbeit\Lucas\Vorstellung\eta_ges.jpg"/>
           <p:cNvPicPr>
             <a:picLocks noChangeAspect="1" noChangeArrowheads="1"/>
           </p:cNvPicPr>
@@ -5018,7 +4996,7 @@
         <p:spPr bwMode="auto">
           <a:xfrm>
             <a:off x="1691680" y="1628800"/>
-            <a:ext cx="5544616" cy="4158462"/>
+            <a:ext cx="5544616" cy="4158463"/>
           </a:xfrm>
           <a:prstGeom prst="rect">
             <a:avLst/>
@@ -5031,6 +5009,13 @@
   <p:clrMapOvr>
     <a:masterClrMapping/>
   </p:clrMapOvr>
+  <p:timing>
+    <p:tnLst>
+      <p:par>
+        <p:cTn id="1" dur="indefinite" restart="never" nodeType="tmRoot"/>
+      </p:par>
+    </p:tnLst>
+  </p:timing>
 </p:sld>
 </file>
 
@@ -5053,9 +5038,9 @@
       </p:grpSpPr>
       <p:sp>
         <p:nvSpPr>
-          <p:cNvPr id="2" name="Titel 1"/>
-          <p:cNvSpPr>
-            <a:spLocks noGrp="1"/>
+          <p:cNvPr id="14338" name="Rectangle 5"/>
+          <p:cNvSpPr>
+            <a:spLocks noGrp="1" noChangeArrowheads="1"/>
           </p:cNvSpPr>
           <p:nvPr>
             <p:ph type="title"/>
@@ -5068,226 +5053,153 @@
           <a:p>
             <a:r>
               <a:rPr lang="de-DE" dirty="0"/>
-              <a:t>Schubhebelstellung</a:t>
-            </a:r>
-          </a:p>
-        </p:txBody>
-      </p:sp>
-      <p:sp>
-        <p:nvSpPr>
-          <p:cNvPr id="3" name="Inhaltsplatzhalter 2"/>
-          <p:cNvSpPr>
-            <a:spLocks noGrp="1"/>
+              <a:t>Ergebnisse</a:t>
+            </a:r>
+          </a:p>
+        </p:txBody>
+      </p:sp>
+      <p:sp>
+        <p:nvSpPr>
+          <p:cNvPr id="14339" name="Rectangle 6"/>
+          <p:cNvSpPr>
+            <a:spLocks noGrp="1" noChangeArrowheads="1"/>
           </p:cNvSpPr>
           <p:nvPr>
-            <p:ph idx="1"/>
+            <p:ph type="body" idx="1"/>
           </p:nvPr>
         </p:nvSpPr>
-        <p:spPr/>
+        <p:spPr>
+          <a:xfrm>
+            <a:off x="431800" y="1079500"/>
+            <a:ext cx="8375650" cy="4772025"/>
+          </a:xfrm>
+        </p:spPr>
         <p:txBody>
           <a:bodyPr/>
           <a:lstStyle/>
           <a:p>
-            <a:endParaRPr lang="de-DE"/>
-          </a:p>
-        </p:txBody>
-      </p:sp>
-      <p:pic>
-        <p:nvPicPr>
-          <p:cNvPr id="3074" name="Picture 2" descr="C:\Users\Cip\Desktop\Bachelorarbeit\Lucas\PWM.jpg"/>
-          <p:cNvPicPr>
-            <a:picLocks noChangeAspect="1" noChangeArrowheads="1"/>
-          </p:cNvPicPr>
-          <p:nvPr/>
-        </p:nvPicPr>
-        <p:blipFill>
-          <a:blip r:embed="rId2" cstate="print"/>
-          <a:srcRect/>
-          <a:stretch>
-            <a:fillRect/>
-          </a:stretch>
-        </p:blipFill>
-        <p:spPr bwMode="auto">
-          <a:xfrm>
-            <a:off x="1691680" y="1628800"/>
-            <a:ext cx="5544617" cy="4158463"/>
-          </a:xfrm>
-          <a:prstGeom prst="rect">
-            <a:avLst/>
-          </a:prstGeom>
-          <a:noFill/>
-        </p:spPr>
-      </p:pic>
+            <a:pPr marL="285750" lvl="1" indent="-285750"/>
+            <a:endParaRPr lang="de-DE" dirty="0"/>
+          </a:p>
+          <a:p>
+            <a:pPr marL="285750" lvl="1" indent="-285750"/>
+            <a:r>
+              <a:rPr lang="de-DE" dirty="0"/>
+              <a:t>Max. erreichbare Höhe mit 	 </a:t>
+            </a:r>
+            <a:r>
+              <a:rPr lang="de-DE" dirty="0">
+                <a:sym typeface="Wingdings" pitchFamily="2" charset="2"/>
+              </a:rPr>
+              <a:t> 	</a:t>
+            </a:r>
+            <a:r>
+              <a:rPr lang="de-DE" dirty="0" smtClean="0">
+                <a:sym typeface="Wingdings" pitchFamily="2" charset="2"/>
+              </a:rPr>
+              <a:t>5000 </a:t>
+            </a:r>
+            <a:r>
+              <a:rPr lang="de-DE" dirty="0">
+                <a:sym typeface="Wingdings" pitchFamily="2" charset="2"/>
+              </a:rPr>
+              <a:t>m</a:t>
+            </a:r>
+            <a:endParaRPr lang="de-DE" dirty="0"/>
+          </a:p>
+          <a:p>
+            <a:pPr marL="285750" lvl="1" indent="-285750"/>
+            <a:endParaRPr lang="de-DE" dirty="0"/>
+          </a:p>
+          <a:p>
+            <a:pPr marL="285750" lvl="1" indent="-285750">
+              <a:buNone/>
+            </a:pPr>
+            <a:endParaRPr lang="de-DE" dirty="0"/>
+          </a:p>
+          <a:p>
+            <a:pPr marL="285750" lvl="1" indent="-285750">
+              <a:buNone/>
+            </a:pPr>
+            <a:endParaRPr lang="de-DE" dirty="0"/>
+          </a:p>
+          <a:p>
+            <a:pPr marL="285750" lvl="1" indent="-285750"/>
+            <a:r>
+              <a:rPr lang="de-DE" dirty="0"/>
+              <a:t>Erreichen von 10km mit </a:t>
+            </a:r>
+            <a:r>
+              <a:rPr lang="de-DE" dirty="0" err="1"/>
+              <a:t>Multicopter</a:t>
+            </a:r>
+            <a:r>
+              <a:rPr lang="de-DE" dirty="0"/>
+              <a:t> erscheint realistisch</a:t>
+            </a:r>
+          </a:p>
+          <a:p>
+            <a:pPr marL="285750" lvl="1" indent="-285750"/>
+            <a:endParaRPr lang="de-DE" dirty="0"/>
+          </a:p>
+          <a:p>
+            <a:pPr marL="285750" lvl="1" indent="-285750"/>
+            <a:r>
+              <a:rPr lang="de-DE" dirty="0"/>
+              <a:t>Allerdings nur mit optimalen Randbedingungen und ohne Nutzlast</a:t>
+            </a:r>
+          </a:p>
+          <a:p>
+            <a:pPr marL="285750" lvl="1" indent="-285750"/>
+            <a:endParaRPr lang="de-DE" dirty="0"/>
+          </a:p>
+          <a:p>
+            <a:pPr marL="285750" lvl="1" indent="-285750"/>
+            <a:r>
+              <a:rPr lang="de-DE" dirty="0"/>
+              <a:t>Großen Einfluss haben: Gesamtgewicht, Restladung, Steiggeschwindigkeit, </a:t>
+            </a:r>
+            <a:r>
+              <a:rPr lang="de-DE" dirty="0" err="1"/>
+              <a:t>Aerodynamik,etc</a:t>
+            </a:r>
+            <a:r>
+              <a:rPr lang="de-DE" dirty="0"/>
+              <a:t>. </a:t>
+            </a:r>
+          </a:p>
+          <a:p>
+            <a:pPr marL="457200" lvl="2" indent="-285750"/>
+            <a:endParaRPr lang="de-DE" dirty="0"/>
+          </a:p>
+          <a:p>
+            <a:pPr marL="457200" lvl="2" indent="-285750">
+              <a:buNone/>
+            </a:pPr>
+            <a:endParaRPr lang="de-DE" dirty="0"/>
+          </a:p>
+          <a:p>
+            <a:pPr marL="285750" lvl="1" indent="-285750"/>
+            <a:endParaRPr lang="de-DE" dirty="0"/>
+          </a:p>
+          <a:p>
+            <a:pPr marL="285750" lvl="1" indent="-285750"/>
+            <a:endParaRPr lang="de-DE" dirty="0"/>
+          </a:p>
+        </p:txBody>
+      </p:sp>
     </p:spTree>
   </p:cSld>
   <p:clrMapOvr>
     <a:masterClrMapping/>
   </p:clrMapOvr>
-</p:sld>
-</file>
-
-<file path=ppt/slides/slide9.xml><?xml version="1.0" encoding="utf-8"?>
-<p:sld xmlns:a="http://schemas.openxmlformats.org/drawingml/2006/main" xmlns:r="http://schemas.openxmlformats.org/officeDocument/2006/relationships" xmlns:p="http://schemas.openxmlformats.org/presentationml/2006/main">
-  <p:cSld>
-    <p:spTree>
-      <p:nvGrpSpPr>
-        <p:cNvPr id="1" name=""/>
-        <p:cNvGrpSpPr/>
-        <p:nvPr/>
-      </p:nvGrpSpPr>
-      <p:grpSpPr>
-        <a:xfrm>
-          <a:off x="0" y="0"/>
-          <a:ext cx="0" cy="0"/>
-          <a:chOff x="0" y="0"/>
-          <a:chExt cx="0" cy="0"/>
-        </a:xfrm>
-      </p:grpSpPr>
-      <p:sp>
-        <p:nvSpPr>
-          <p:cNvPr id="14338" name="Rectangle 5"/>
-          <p:cNvSpPr>
-            <a:spLocks noGrp="1" noChangeArrowheads="1"/>
-          </p:cNvSpPr>
-          <p:nvPr>
-            <p:ph type="title"/>
-          </p:nvPr>
-        </p:nvSpPr>
-        <p:spPr/>
-        <p:txBody>
-          <a:bodyPr/>
-          <a:lstStyle/>
-          <a:p>
-            <a:r>
-              <a:rPr lang="de-DE" dirty="0"/>
-              <a:t>Ergebnisse</a:t>
-            </a:r>
-          </a:p>
-        </p:txBody>
-      </p:sp>
-      <p:sp>
-        <p:nvSpPr>
-          <p:cNvPr id="14339" name="Rectangle 6"/>
-          <p:cNvSpPr>
-            <a:spLocks noGrp="1" noChangeArrowheads="1"/>
-          </p:cNvSpPr>
-          <p:nvPr>
-            <p:ph type="body" idx="1"/>
-          </p:nvPr>
-        </p:nvSpPr>
-        <p:spPr>
-          <a:xfrm>
-            <a:off x="431800" y="1079500"/>
-            <a:ext cx="8375650" cy="4772025"/>
-          </a:xfrm>
-        </p:spPr>
-        <p:txBody>
-          <a:bodyPr/>
-          <a:lstStyle/>
-          <a:p>
-            <a:pPr marL="285750" lvl="1" indent="-285750"/>
-            <a:endParaRPr lang="de-DE" dirty="0"/>
-          </a:p>
-          <a:p>
-            <a:pPr marL="285750" lvl="1" indent="-285750"/>
-            <a:r>
-              <a:rPr lang="de-DE" dirty="0"/>
-              <a:t>Max. erreichbare Höhe mit 	 </a:t>
-            </a:r>
-            <a:r>
-              <a:rPr lang="de-DE" dirty="0">
-                <a:sym typeface="Wingdings" pitchFamily="2" charset="2"/>
-              </a:rPr>
-              <a:t> 	7300 m</a:t>
-            </a:r>
-            <a:endParaRPr lang="de-DE" dirty="0"/>
-          </a:p>
-          <a:p>
-            <a:pPr marL="285750" lvl="1" indent="-285750"/>
-            <a:endParaRPr lang="de-DE" dirty="0"/>
-          </a:p>
-          <a:p>
-            <a:pPr marL="285750" lvl="1" indent="-285750">
-              <a:buNone/>
-            </a:pPr>
-            <a:endParaRPr lang="de-DE" dirty="0"/>
-          </a:p>
-          <a:p>
-            <a:pPr marL="285750" lvl="1" indent="-285750">
-              <a:buNone/>
-            </a:pPr>
-            <a:endParaRPr lang="de-DE" dirty="0"/>
-          </a:p>
-          <a:p>
-            <a:pPr marL="285750" lvl="1" indent="-285750"/>
-            <a:r>
-              <a:rPr lang="de-DE" dirty="0"/>
-              <a:t>Erreichen von 10km mit </a:t>
-            </a:r>
-            <a:r>
-              <a:rPr lang="de-DE" dirty="0" err="1"/>
-              <a:t>Multicopter</a:t>
-            </a:r>
-            <a:r>
-              <a:rPr lang="de-DE" dirty="0"/>
-              <a:t> erscheint realistisch</a:t>
-            </a:r>
-          </a:p>
-          <a:p>
-            <a:pPr marL="285750" lvl="1" indent="-285750"/>
-            <a:endParaRPr lang="de-DE" dirty="0"/>
-          </a:p>
-          <a:p>
-            <a:pPr marL="285750" lvl="1" indent="-285750"/>
-            <a:r>
-              <a:rPr lang="de-DE" dirty="0"/>
-              <a:t>Allerdings nur mit optimalen Randbedingungen und ohne Nutzlast</a:t>
-            </a:r>
-          </a:p>
-          <a:p>
-            <a:pPr marL="285750" lvl="1" indent="-285750"/>
-            <a:endParaRPr lang="de-DE" dirty="0"/>
-          </a:p>
-          <a:p>
-            <a:pPr marL="285750" lvl="1" indent="-285750"/>
-            <a:r>
-              <a:rPr lang="de-DE" dirty="0"/>
-              <a:t>Großen Einfluss haben: Gesamtgewicht, Restladung, Steiggeschwindigkeit, </a:t>
-            </a:r>
-            <a:r>
-              <a:rPr lang="de-DE" dirty="0" err="1"/>
-              <a:t>Aerodynamik,etc</a:t>
-            </a:r>
-            <a:r>
-              <a:rPr lang="de-DE" dirty="0"/>
-              <a:t>. </a:t>
-            </a:r>
-          </a:p>
-          <a:p>
-            <a:pPr marL="457200" lvl="2" indent="-285750"/>
-            <a:endParaRPr lang="de-DE" dirty="0"/>
-          </a:p>
-          <a:p>
-            <a:pPr marL="457200" lvl="2" indent="-285750">
-              <a:buNone/>
-            </a:pPr>
-            <a:endParaRPr lang="de-DE" dirty="0"/>
-          </a:p>
-          <a:p>
-            <a:pPr marL="285750" lvl="1" indent="-285750"/>
-            <a:endParaRPr lang="de-DE" dirty="0"/>
-          </a:p>
-          <a:p>
-            <a:pPr marL="285750" lvl="1" indent="-285750"/>
-            <a:endParaRPr lang="de-DE" dirty="0"/>
-          </a:p>
-        </p:txBody>
-      </p:sp>
-    </p:spTree>
-  </p:cSld>
-  <p:clrMapOvr>
-    <a:masterClrMapping/>
-  </p:clrMapOvr>
+  <p:timing>
+    <p:tnLst>
+      <p:par>
+        <p:cTn id="1" dur="indefinite" restart="never" nodeType="tmRoot"/>
+      </p:par>
+    </p:tnLst>
+  </p:timing>
 </p:sld>
 </file>
 
